--- a/lectures/lecture-28/Lecture-Live B00/Lecture 28 - Lecture.pptx
+++ b/lectures/lecture-28/Lecture-Live B00/Lecture 28 - Lecture.pptx
@@ -139,6 +139,487 @@
     </p:ext>
   </p:extLst>
 </p:presentation>
+</file>
+
+<file path=ppt/ink/ink1.xml><?xml version="1.0" encoding="utf-8"?>
+<inkml:ink xmlns:inkml="http://www.w3.org/2003/InkML">
+  <inkml:definitions>
+    <inkml:context xml:id="ctx0">
+      <inkml:inkSource xml:id="inkSrc0">
+        <inkml:traceFormat>
+          <inkml:channel name="X" type="integer" min="-2.14748E9" max="2.14748E9" units="cm"/>
+          <inkml:channel name="Y" type="integer" min="-2.14748E9" max="2.14748E9" units="cm"/>
+          <inkml:channel name="F" type="integer" max="32767" units="dev"/>
+          <inkml:channel name="OA" type="integer" max="360" units="deg"/>
+          <inkml:channel name="OE" type="integer" max="90" units="deg"/>
+        </inkml:traceFormat>
+        <inkml:channelProperties>
+          <inkml:channelProperty channel="X" name="resolution" value="1000" units="1/cm"/>
+          <inkml:channelProperty channel="Y" name="resolution" value="1000" units="1/cm"/>
+          <inkml:channelProperty channel="F" name="resolution" value="0" units="1/dev"/>
+          <inkml:channelProperty channel="OA" name="resolution" value="1000" units="1/deg"/>
+          <inkml:channelProperty channel="OE" name="resolution" value="1000" units="1/deg"/>
+        </inkml:channelProperties>
+      </inkml:inkSource>
+      <inkml:timestamp xml:id="ts0" timeString="2021-06-04T16:00:45.263"/>
+    </inkml:context>
+    <inkml:brush xml:id="br0">
+      <inkml:brushProperty name="width" value="0.05" units="cm"/>
+      <inkml:brushProperty name="height" value="0.05" units="cm"/>
+      <inkml:brushProperty name="color" value="#FF0066"/>
+    </inkml:brush>
+  </inkml:definitions>
+  <inkml:trace contextRef="#ctx0" brushRef="#br0">150 11 2760 0 0,'-11'0'341'0'0,"1"-1"0"0"0,-1-1 0 0 0,-11-2 0 0 0,20 3-14 0 0,-27-1 5340 0 0,18 3-4856 0 0,1 1 1 0 0,-1 0-1 0 0,1 0 1 0 0,-12 6 3776 0 0,25-7-2295 0 0,10 1-778 0 0,18-1-1138 0 0,127-8 1315 0 0,-37 1-754 0 0,138 0 237 0 0,-56 12-538 0 0,61 2 55 0 0,33 3 217 0 0,-152-3-448 0 0,58 2 226 0 0,-145-9-553 0 0,320 0 995 0 0,-333-3-1010 0 0,155-2 753 0 0,-153 5-754 0 0,27 3 42 0 0,-72-4-151 0 0,0 1 0 0 0,0-1 0 0 0,0 0 0 0 0,0 0 0 0 0,0-1 0 0 0,0 1 0 0 0,0 0 0 0 0,0-1 0 0 0,0 1 0 0 0,0-1 0 0 0,-1 1 0 0 0,1-1 0 0 0,0 0 0 0 0,3-2 0 0 0,-4 2-71 0 0,0 0 0 0 0,0 1-1 0 0,-1-1 1 0 0,1 0 0 0 0,0 0 0 0 0,0 0-1 0 0,-1-1 1 0 0,1 1 0 0 0,-1 0 0 0 0,1 0-1 0 0,-1 0 1 0 0,1 0 0 0 0,-1-1 0 0 0,0 1 0 0 0,0 0-1 0 0,1-3 1 0 0,1-5-2456 0 0,1 4 330 0 0</inkml:trace>
+</inkml:ink>
+</file>
+
+<file path=ppt/ink/ink10.xml><?xml version="1.0" encoding="utf-8"?>
+<inkml:ink xmlns:inkml="http://www.w3.org/2003/InkML">
+  <inkml:definitions>
+    <inkml:context xml:id="ctx0">
+      <inkml:inkSource xml:id="inkSrc0">
+        <inkml:traceFormat>
+          <inkml:channel name="X" type="integer" min="-2.14748E9" max="2.14748E9" units="cm"/>
+          <inkml:channel name="Y" type="integer" min="-2.14748E9" max="2.14748E9" units="cm"/>
+          <inkml:channel name="F" type="integer" max="32767" units="dev"/>
+          <inkml:channel name="OA" type="integer" max="360" units="deg"/>
+          <inkml:channel name="OE" type="integer" max="90" units="deg"/>
+        </inkml:traceFormat>
+        <inkml:channelProperties>
+          <inkml:channelProperty channel="X" name="resolution" value="1000" units="1/cm"/>
+          <inkml:channelProperty channel="Y" name="resolution" value="1000" units="1/cm"/>
+          <inkml:channelProperty channel="F" name="resolution" value="0" units="1/dev"/>
+          <inkml:channelProperty channel="OA" name="resolution" value="1000" units="1/deg"/>
+          <inkml:channelProperty channel="OE" name="resolution" value="1000" units="1/deg"/>
+        </inkml:channelProperties>
+      </inkml:inkSource>
+      <inkml:timestamp xml:id="ts0" timeString="2021-06-04T16:00:55.899"/>
+    </inkml:context>
+    <inkml:brush xml:id="br0">
+      <inkml:brushProperty name="width" value="0.05" units="cm"/>
+      <inkml:brushProperty name="height" value="0.05" units="cm"/>
+      <inkml:brushProperty name="color" value="#FF0066"/>
+    </inkml:brush>
+  </inkml:definitions>
+  <inkml:trace contextRef="#ctx0" brushRef="#br0">101 0 14712 0 0,'-16'8'1600'0'0,"10"-6"-691"0"0,1 1 1 0 0,0 0 0 0 0,0 0 0 0 0,0 0-1 0 0,-9 8 1 0 0,10-7-460 0 0,1 0 0 0 0,0 1 0 0 0,0-1 0 0 0,0 1 0 0 0,0 0 0 0 0,-1 4 0 0 0,-1 0 55 0 0,2-2-257 0 0,1-1 1 0 0,-1 1-1 0 0,1 0 1 0 0,0 0-1 0 0,1 0 1 0 0,0 1-1 0 0,-1 12 1 0 0,2-6 28 0 0,0 1 1 0 0,5 26 0 0 0,-4-36-221 0 0,0 0 1 0 0,1 0-1 0 0,-1 0 1 0 0,1 0-1 0 0,0 0 1 0 0,3 4-1 0 0,-4-7-34 0 0,1 1 1 0 0,-1-1-1 0 0,1 0 0 0 0,-1-1 1 0 0,1 1-1 0 0,-1 0 0 0 0,1 0 1 0 0,0-1-1 0 0,0 1 0 0 0,0-1 1 0 0,0 1-1 0 0,0-1 0 0 0,0 0 0 0 0,4 2 1 0 0,-5-3-11 0 0,1 0 1 0 0,0 0-1 0 0,-1 0 1 0 0,1 0-1 0 0,-1 0 1 0 0,1 0-1 0 0,-1 0 1 0 0,1 0-1 0 0,0 0 1 0 0,-1-1-1 0 0,1 1 1 0 0,-1-1-1 0 0,1 1 1 0 0,-1-1-1 0 0,1 0 1 0 0,-1 0-1 0 0,0 1 1 0 0,1-1-1 0 0,-1 0 1 0 0,0 0-1 0 0,0 0 1 0 0,2-2-1 0 0,2-2 91 0 0,0-1 0 0 0,0 0-1 0 0,5-8 1 0 0,-3 1 150 0 0,1-1 1 0 0,8-24-1 0 0,0 1 232 0 0,-16 36-443 0 0,1-1-1 0 0,-1 1 0 0 0,1-1 1 0 0,-1 1-1 0 0,0-1 0 0 0,1 1 1 0 0,-1-1-1 0 0,0 1 0 0 0,0-1 1 0 0,0-2-1 0 0,0 4-39 0 0,0 0 0 0 0,0 0 0 0 0,0 0 1 0 0,0 0-1 0 0,0 0 0 0 0,0 0 0 0 0,0 0 0 0 0,0 0 1 0 0,0 0-1 0 0,0 0 0 0 0,0 0 0 0 0,0 0 0 0 0,-1 0 1 0 0,1 0-1 0 0,0 0 0 0 0,0 0 0 0 0,0 0 0 0 0,0 0 1 0 0,0 0-1 0 0,0 0 0 0 0,0 0 0 0 0,0 0 0 0 0,0 0 0 0 0,0 0 1 0 0,0 0-1 0 0,0 0 0 0 0,0 0 0 0 0,0 0 0 0 0,0 0 1 0 0,0 0-1 0 0,0 0 0 0 0,0 0 0 0 0,-1 0 0 0 0,1 0 1 0 0,0 0-1 0 0,0 0 0 0 0,0 0 0 0 0,0 0 0 0 0,0 0 1 0 0,0 0-1 0 0,0 0 0 0 0,0 0 0 0 0,0 0 0 0 0,0 0 0 0 0,0 0 1 0 0,0 0-1 0 0,0 0 0 0 0,0 0 0 0 0,0 0 0 0 0,0 0 1 0 0,0 0-1 0 0,0 0 0 0 0,0 0 0 0 0,0 0 0 0 0,0 0 1 0 0,0-1-1 0 0,0 1 0 0 0,0 0 0 0 0,0 0 0 0 0,0 0 0 0 0,0 0 1 0 0,0 0-1 0 0,0 0 0 0 0,0 0 0 0 0,0 0 0 0 0,0 0 1 0 0,0 0-1 0 0,0 0 0 0 0,0 0 0 0 0,-4 10-78 0 0,4-7-53 0 0,-1-1 0 0 0,1 1 1 0 0,0-1-1 0 0,0 1 0 0 0,0-1 1 0 0,0 1-1 0 0,1 3 1 0 0,-1-5 14 0 0,0 0 1 0 0,0 0 0 0 0,1 0 0 0 0,-1-1 0 0 0,0 1 0 0 0,1 0-1 0 0,-1 0 1 0 0,1-1 0 0 0,-1 1 0 0 0,1 0 0 0 0,-1-1 0 0 0,1 1 0 0 0,-1 0-1 0 0,1-1 1 0 0,0 1 0 0 0,-1-1 0 0 0,1 1 0 0 0,0-1 0 0 0,0 1 0 0 0,-1-1-1 0 0,1 0 1 0 0,0 1 0 0 0,0-1 0 0 0,0 0 0 0 0,-1 0 0 0 0,3 1-1 0 0,-2-1-174 0 0,0 0 0 0 0,0 0 0 0 0,0-1 0 0 0,0 1-1 0 0,0 0 1 0 0,0 0 0 0 0,0 0 0 0 0,0-1 0 0 0,0 1-1 0 0,0-1 1 0 0,0 1 0 0 0,0-1 0 0 0,0 1-1 0 0,0-1 1 0 0,-1 1 0 0 0,2-2 0 0 0,4-1-4316 0 0</inkml:trace>
+</inkml:ink>
+</file>
+
+<file path=ppt/ink/ink11.xml><?xml version="1.0" encoding="utf-8"?>
+<inkml:ink xmlns:inkml="http://www.w3.org/2003/InkML">
+  <inkml:definitions>
+    <inkml:context xml:id="ctx0">
+      <inkml:inkSource xml:id="inkSrc0">
+        <inkml:traceFormat>
+          <inkml:channel name="X" type="integer" min="-2.14748E9" max="2.14748E9" units="cm"/>
+          <inkml:channel name="Y" type="integer" min="-2.14748E9" max="2.14748E9" units="cm"/>
+          <inkml:channel name="F" type="integer" max="32767" units="dev"/>
+          <inkml:channel name="OA" type="integer" max="360" units="deg"/>
+          <inkml:channel name="OE" type="integer" max="90" units="deg"/>
+        </inkml:traceFormat>
+        <inkml:channelProperties>
+          <inkml:channelProperty channel="X" name="resolution" value="1000" units="1/cm"/>
+          <inkml:channelProperty channel="Y" name="resolution" value="1000" units="1/cm"/>
+          <inkml:channelProperty channel="F" name="resolution" value="0" units="1/dev"/>
+          <inkml:channelProperty channel="OA" name="resolution" value="1000" units="1/deg"/>
+          <inkml:channelProperty channel="OE" name="resolution" value="1000" units="1/deg"/>
+        </inkml:channelProperties>
+      </inkml:inkSource>
+      <inkml:timestamp xml:id="ts0" timeString="2021-06-04T16:00:56.266"/>
+    </inkml:context>
+    <inkml:brush xml:id="br0">
+      <inkml:brushProperty name="width" value="0.05" units="cm"/>
+      <inkml:brushProperty name="height" value="0.05" units="cm"/>
+      <inkml:brushProperty name="color" value="#FF0066"/>
+    </inkml:brush>
+  </inkml:definitions>
+  <inkml:trace contextRef="#ctx0" brushRef="#br0">18 0 7832 0 0,'0'0'705'0'0,"2"16"-562"0"0,0 4 4744 0 0,2 4 3743 0 0,0-12-6988 0 0,-4-9-1574 0 0,1-1 0 0 0,-1 0 0 0 0,1 1 0 0 0,0-1 0 0 0,0 0 0 0 0,0 0 0 0 0,0 0 0 0 0,0 1 0 0 0,0-1 0 0 0,0 0 0 0 0,1 0 0 0 0,-1-1 0 0 0,1 1-1 0 0,0 0 1 0 0,-1 0 0 0 0,1-1 0 0 0,0 1 0 0 0,0-1 0 0 0,0 0 0 0 0,0 1 0 0 0,0-1 0 0 0,0 0 0 0 0,1 0 0 0 0,2 1 0 0 0,2 0-211 0 0,-1-1 0 0 0,1 0 0 0 0,0 0 0 0 0,-1 0 0 0 0,1-1 0 0 0,0 0 0 0 0,12-1 0 0 0,2-3-977 0 0,23-6 0 0 0,-25 5-32 0 0,-17 5 1031 0 0,-2 1 278 0 0,0 0 0 0 0,-1 0 0 0 0,1 1 0 0 0,0-1 0 0 0,0 0 0 0 0,-1 0 0 0 0,1 1 0 0 0,0-1 0 0 0,-2 2 0 0 0,-4 10 612 0 0,-1 0-1 0 0,0-1 0 0 0,-1 1 1 0 0,-11 13-1 0 0,-43 43 405 0 0,23-27-1096 0 0,-12 14-3061 0 0,34-39-5887 0 0</inkml:trace>
+</inkml:ink>
+</file>
+
+<file path=ppt/ink/ink12.xml><?xml version="1.0" encoding="utf-8"?>
+<inkml:ink xmlns:inkml="http://www.w3.org/2003/InkML">
+  <inkml:definitions>
+    <inkml:context xml:id="ctx0">
+      <inkml:inkSource xml:id="inkSrc0">
+        <inkml:traceFormat>
+          <inkml:channel name="X" type="integer" min="-2.14748E9" max="2.14748E9" units="cm"/>
+          <inkml:channel name="Y" type="integer" min="-2.14748E9" max="2.14748E9" units="cm"/>
+          <inkml:channel name="F" type="integer" max="32767" units="dev"/>
+          <inkml:channel name="OA" type="integer" max="360" units="deg"/>
+          <inkml:channel name="OE" type="integer" max="90" units="deg"/>
+        </inkml:traceFormat>
+        <inkml:channelProperties>
+          <inkml:channelProperty channel="X" name="resolution" value="1000" units="1/cm"/>
+          <inkml:channelProperty channel="Y" name="resolution" value="1000" units="1/cm"/>
+          <inkml:channelProperty channel="F" name="resolution" value="0" units="1/dev"/>
+          <inkml:channelProperty channel="OA" name="resolution" value="1000" units="1/deg"/>
+          <inkml:channelProperty channel="OE" name="resolution" value="1000" units="1/deg"/>
+        </inkml:channelProperties>
+      </inkml:inkSource>
+      <inkml:timestamp xml:id="ts0" timeString="2021-06-04T16:00:56.744"/>
+    </inkml:context>
+    <inkml:brush xml:id="br0">
+      <inkml:brushProperty name="width" value="0.05" units="cm"/>
+      <inkml:brushProperty name="height" value="0.05" units="cm"/>
+      <inkml:brushProperty name="color" value="#FF0066"/>
+    </inkml:brush>
+  </inkml:definitions>
+  <inkml:trace contextRef="#ctx0" brushRef="#br0">293 0 11832 0 0,'-6'6'157'0'0,"5"-5"-93"0"0,0-1 1 0 0,0 1-1 0 0,0 0 0 0 0,0 0 1 0 0,0 0-1 0 0,-1-1 0 0 0,1 1 1 0 0,0 0-1 0 0,0-1 0 0 0,0 1 1 0 0,-1-1-1 0 0,1 0 0 0 0,0 1 1 0 0,-1-1-1 0 0,-1 0 0 0 0,-8 2 408 0 0,-1-1 0 0 0,0 1-1 0 0,1 1 1 0 0,-1 0 0 0 0,1 1 0 0 0,0 0-1 0 0,0 1 1 0 0,0 0 0 0 0,-16 11-1 0 0,17-9-191 0 0,-1 0-1 0 0,1 1 0 0 0,1 0 0 0 0,0 1 0 0 0,0 0 0 0 0,0 0 0 0 0,1 1 0 0 0,0 0 0 0 0,1 0 0 0 0,1 1 0 0 0,-1 0 0 0 0,-4 13 0 0 0,10-23-264 0 0,-4 12 460 0 0,-8 28-1 0 0,12-37-392 0 0,0 0 0 0 0,0 0 0 0 0,1 0 0 0 0,0 0 0 0 0,0 1 0 0 0,0-1 0 0 0,0 0 0 0 0,1 0 0 0 0,-1 1 0 0 0,1-1 0 0 0,1 4 0 0 0,-1-7-75 0 0,-1 0-1 0 0,0 0 0 0 0,1-1 0 0 0,-1 1 1 0 0,1 0-1 0 0,-1 0 0 0 0,0-1 0 0 0,1 1 1 0 0,0 0-1 0 0,-1-1 0 0 0,1 1 0 0 0,-1-1 1 0 0,1 1-1 0 0,0-1 0 0 0,-1 1 0 0 0,1-1 1 0 0,0 1-1 0 0,-1-1 0 0 0,1 0 0 0 0,0 1 1 0 0,0-1-1 0 0,0 0 0 0 0,1 1 0 0 0,0-1 22 0 0,0 0-1 0 0,0 0 0 0 0,0 0 0 0 0,0 0 0 0 0,0 0 0 0 0,0-1 1 0 0,0 1-1 0 0,0-1 0 0 0,3 0 0 0 0,1-2 101 0 0,0 1-1 0 0,0-1 0 0 0,0-1 1 0 0,9-6-1 0 0,-7 3 84 0 0,-1-1 0 0 0,0 0 1 0 0,0 1-1 0 0,11-19 0 0 0,-2 3-64 0 0,5-7 570 0 0,22-46 0 0 0,-38 65-267 0 0,-4 9-341 0 0,-1 0-1 0 0,1 1 1 0 0,-1-1-1 0 0,1 1 1 0 0,0-1 0 0 0,0 1-1 0 0,0-1 1 0 0,0 1 0 0 0,2-3 1180 0 0,-4 6-1268 0 0,0-1 0 0 0,0 0 0 0 0,0 0 0 0 0,0 0 0 0 0,0 1 0 0 0,0-1 0 0 0,1 0 0 0 0,-1 1 0 0 0,0-1 0 0 0,1 1 0 0 0,-1-1 0 0 0,0 3 0 0 0,1-3 1 0 0,-13 45 87 0 0,-1 2-1 0 0,1-14-70 0 0,1 1-1 0 0,2 0 0 0 0,-9 60 1 0 0,18-89-119 0 0,0 0 1 0 0,1 0-1 0 0,0 0 1 0 0,0 0-1 0 0,1 0 1 0 0,0-1 0 0 0,0 1-1 0 0,0 0 1 0 0,1 0-1 0 0,2 6 1 0 0,-3-10-79 0 0,0-1 0 0 0,-1 1 0 0 0,1 0 0 0 0,0-1 0 0 0,0 1 0 0 0,1-1 0 0 0,-1 1 0 0 0,0-1 0 0 0,1 0 0 0 0,-1 1 0 0 0,0-1 0 0 0,1 0 0 0 0,-1 0 0 0 0,1 0 0 0 0,0 0 0 0 0,-1 0 0 0 0,1 0 0 0 0,0-1 0 0 0,0 1 0 0 0,-1-1 0 0 0,1 1 0 0 0,0-1 0 0 0,0 1 0 0 0,0-1 0 0 0,0 0 0 0 0,0 0 0 0 0,-1 0 0 0 0,1 0 0 0 0,0 0 0 0 0,0 0 0 0 0,0-1 0 0 0,0 1 0 0 0,0-1 0 0 0,-1 1 0 0 0,4-2 0 0 0,12-6-1777 0 0,0-3-202 0 0</inkml:trace>
+</inkml:ink>
+</file>
+
+<file path=ppt/ink/ink13.xml><?xml version="1.0" encoding="utf-8"?>
+<inkml:ink xmlns:inkml="http://www.w3.org/2003/InkML">
+  <inkml:definitions>
+    <inkml:context xml:id="ctx0">
+      <inkml:inkSource xml:id="inkSrc0">
+        <inkml:traceFormat>
+          <inkml:channel name="X" type="integer" min="-2.14748E9" max="2.14748E9" units="cm"/>
+          <inkml:channel name="Y" type="integer" min="-2.14748E9" max="2.14748E9" units="cm"/>
+          <inkml:channel name="F" type="integer" max="32767" units="dev"/>
+          <inkml:channel name="OA" type="integer" max="360" units="deg"/>
+          <inkml:channel name="OE" type="integer" max="90" units="deg"/>
+        </inkml:traceFormat>
+        <inkml:channelProperties>
+          <inkml:channelProperty channel="X" name="resolution" value="1000" units="1/cm"/>
+          <inkml:channelProperty channel="Y" name="resolution" value="1000" units="1/cm"/>
+          <inkml:channelProperty channel="F" name="resolution" value="0" units="1/dev"/>
+          <inkml:channelProperty channel="OA" name="resolution" value="1000" units="1/deg"/>
+          <inkml:channelProperty channel="OE" name="resolution" value="1000" units="1/deg"/>
+        </inkml:channelProperties>
+      </inkml:inkSource>
+      <inkml:timestamp xml:id="ts0" timeString="2021-06-04T16:00:57.130"/>
+    </inkml:context>
+    <inkml:brush xml:id="br0">
+      <inkml:brushProperty name="width" value="0.05" units="cm"/>
+      <inkml:brushProperty name="height" value="0.05" units="cm"/>
+      <inkml:brushProperty name="color" value="#FF0066"/>
+    </inkml:brush>
+  </inkml:definitions>
+  <inkml:trace contextRef="#ctx0" brushRef="#br0">90 44 3680 0 0,'0'0'167'0'0,"-3"7"613"0"0,-12 24 10724 0 0,2 0-5439 0 0,-2 13-3792 0 0,-12 63-3117 0 0,21-71 1403 0 0,1 1 1 0 0,0 57-1 0 0,4-82-557 0 0,2-3 321 0 0,4-22-212 0 0,1-6 132 0 0,-1 0-1 0 0,-2-1 1 0 0,3-25-1 0 0,-1 3 158 0 0,2-9-54 0 0,-2 11 377 0 0,10-39 0 0 0,-13 68-504 0 0,2 0-1 0 0,-1 0 1 0 0,1 0 0 0 0,1 1 0 0 0,0 0-1 0 0,1 0 1 0 0,0 0 0 0 0,9-11 0 0 0,-14 19-184 0 0,0 1 0 0 0,1-1 0 0 0,-1 1 1 0 0,0 0-1 0 0,1-1 0 0 0,0 1 0 0 0,-1 0 1 0 0,1 0-1 0 0,0 0 0 0 0,-1 0 0 0 0,1 0 1 0 0,0 0-1 0 0,0 1 0 0 0,0-1 0 0 0,0 1 1 0 0,0-1-1 0 0,0 1 0 0 0,2-1 0 0 0,-2 2-29 0 0,-1-1-1 0 0,0 0 1 0 0,0 0-1 0 0,1 1 1 0 0,-1-1-1 0 0,0 1 1 0 0,0-1-1 0 0,1 1 1 0 0,-1 0-1 0 0,0-1 0 0 0,0 1 1 0 0,0 0-1 0 0,0 0 1 0 0,0 0-1 0 0,0 0 1 0 0,0 0-1 0 0,0 0 1 0 0,-1 0-1 0 0,1 0 1 0 0,0 0-1 0 0,0 0 0 0 0,-1 0 1 0 0,1 0-1 0 0,-1 1 1 0 0,1-1-1 0 0,-1 0 1 0 0,1 0-1 0 0,-1 2 1 0 0,1 4-5 0 0,0 0 1 0 0,0 0-1 0 0,0 0 1 0 0,-1 0 0 0 0,-1-1-1 0 0,1 1 1 0 0,-1 0-1 0 0,0 0 1 0 0,0 0 0 0 0,-1-1-1 0 0,0 1 1 0 0,-3 6-1 0 0,1-3 5 0 0,0 0 0 0 0,-1 0 0 0 0,0-1 0 0 0,-1 1-1 0 0,0-1 1 0 0,-14 16 0 0 0,12-17-666 0 0,-1-1-1 0 0,1 1 1 0 0,-16 9 0 0 0</inkml:trace>
+</inkml:ink>
+</file>
+
+<file path=ppt/ink/ink14.xml><?xml version="1.0" encoding="utf-8"?>
+<inkml:ink xmlns:inkml="http://www.w3.org/2003/InkML">
+  <inkml:definitions>
+    <inkml:context xml:id="ctx0">
+      <inkml:inkSource xml:id="inkSrc0">
+        <inkml:traceFormat>
+          <inkml:channel name="X" type="integer" min="-2.14748E9" max="2.14748E9" units="cm"/>
+          <inkml:channel name="Y" type="integer" min="-2.14748E9" max="2.14748E9" units="cm"/>
+          <inkml:channel name="F" type="integer" max="32767" units="dev"/>
+          <inkml:channel name="OA" type="integer" max="360" units="deg"/>
+          <inkml:channel name="OE" type="integer" max="90" units="deg"/>
+        </inkml:traceFormat>
+        <inkml:channelProperties>
+          <inkml:channelProperty channel="X" name="resolution" value="1000" units="1/cm"/>
+          <inkml:channelProperty channel="Y" name="resolution" value="1000" units="1/cm"/>
+          <inkml:channelProperty channel="F" name="resolution" value="0" units="1/dev"/>
+          <inkml:channelProperty channel="OA" name="resolution" value="1000" units="1/deg"/>
+          <inkml:channelProperty channel="OE" name="resolution" value="1000" units="1/deg"/>
+        </inkml:channelProperties>
+      </inkml:inkSource>
+      <inkml:timestamp xml:id="ts0" timeString="2021-06-04T16:00:57.541"/>
+    </inkml:context>
+    <inkml:brush xml:id="br0">
+      <inkml:brushProperty name="width" value="0.05" units="cm"/>
+      <inkml:brushProperty name="height" value="0.05" units="cm"/>
+      <inkml:brushProperty name="color" value="#FF0066"/>
+    </inkml:brush>
+  </inkml:definitions>
+  <inkml:trace contextRef="#ctx0" brushRef="#br0">25 275 17359 0 0,'-1'0'93'0'0,"-15"2"1412"0"0,16-2-1494 0 0,-1 0-1 0 0,1 0 0 0 0,0 0 0 0 0,-1-1 1 0 0,1 1-1 0 0,-1 0 0 0 0,1 0 0 0 0,0 0 1 0 0,-1 0-1 0 0,1 0 0 0 0,0-1 0 0 0,-1 1 1 0 0,1 0-1 0 0,0 0 0 0 0,0-1 0 0 0,-1 1 1 0 0,1 0-1 0 0,0 0 0 0 0,0-1 0 0 0,-1 1 1 0 0,1 0-1 0 0,0-1 0 0 0,0 1 1 0 0,0 0-1 0 0,0-1 0 0 0,-1 1 0 0 0,1 0 1 0 0,0-1-1 0 0,0 1 0 0 0,0 0 0 0 0,0-1 1 0 0,0 1-1 0 0,0-1 0 0 0,0 1 0 0 0,0 0 1 0 0,0-1-1 0 0,0 1 0 0 0,0 0 0 0 0,0-1 1 0 0,0 1-1 0 0,0 0 0 0 0,1-1 0 0 0,-1 0 1 0 0,7-29 2901 0 0,-3 12-1841 0 0,0 1-1 0 0,9-23 1 0 0,-3 17 110 0 0,2 1 1 0 0,0 0-1 0 0,24-33 1 0 0,-34 52-1117 0 0,1 0-1 0 0,-1 0 1 0 0,1 1 0 0 0,0-1-1 0 0,4-3 1 0 0,-7 6-62 0 0,1 0-1 0 0,-1 0 1 0 0,0-1-1 0 0,1 1 1 0 0,-1 0 0 0 0,1 0-1 0 0,-1 0 1 0 0,1 0-1 0 0,-1-1 1 0 0,0 1 0 0 0,1 0-1 0 0,-1 0 1 0 0,1 0-1 0 0,-1 0 1 0 0,1 0 0 0 0,-1 0-1 0 0,1 0 1 0 0,-1 0-1 0 0,0 0 1 0 0,1 1 0 0 0,-1-1-1 0 0,1 0 1 0 0,-1 0-1 0 0,1 0 1 0 0,-1 0 0 0 0,0 1-1 0 0,1-1 1 0 0,-1 0-1 0 0,0 0 1 0 0,1 1 0 0 0,-1-1-1 0 0,0 0 1 0 0,1 1-1 0 0,-1-1 1 0 0,0 0 0 0 0,1 1-1 0 0,-1-1 1 0 0,0 0-1 0 0,0 1 1 0 0,0-1 0 0 0,1 1-1 0 0,-1-1 1 0 0,0 1-1 0 0,0-1 1 0 0,0 1 0 0 0,0-1 5 0 0,2 3-8 0 0,-1 0 0 0 0,0 1 0 0 0,0-1 0 0 0,-1 0 0 0 0,1 0 0 0 0,0 1 0 0 0,-1-1 0 0 0,0 6 0 0 0,2 14 0 0 0,1 9 0 0 0,-3-26 0 0 0,0 0 0 0 0,1-1 0 0 0,-1 1 0 0 0,1-1 0 0 0,0 1 0 0 0,1-1 0 0 0,2 6 0 0 0,-4-10 0 0 0,0-1 0 0 0,0 1 0 0 0,0-1 0 0 0,0 0 0 0 0,0 1 0 0 0,0-1 0 0 0,1 0 0 0 0,-1 1 0 0 0,0-1 0 0 0,0 0 0 0 0,1 1 0 0 0,-1-1 0 0 0,0 0 0 0 0,0 1 0 0 0,1-1 0 0 0,-1 0 0 0 0,0 0 0 0 0,1 1 0 0 0,-1-1 0 0 0,0 0 0 0 0,1 0 0 0 0,-1 0 0 0 0,1 0 0 0 0,-1 1 0 0 0,0-1 0 0 0,1 0 0 0 0,-1 0 0 0 0,1 0 0 0 0,-1 0 0 0 0,0 0 0 0 0,1 0 0 0 0,-1 0 0 0 0,1 0 0 0 0,-1 0 0 0 0,0 0 0 0 0,1 0 0 0 0,-1 0 0 0 0,1-1 0 0 0,-1 1 0 0 0,0 0 0 0 0,1 0 0 0 0,-1 0 0 0 0,0 0 0 0 0,1-1 0 0 0,-1 1 0 0 0,13-14 0 0 0,-12 12 0 0 0,8-10 29 0 0,-1-1 0 0 0,11-22 0 0 0,-12 21-6 0 0,1 0-1 0 0,13-17 1 0 0,-18 27 37 0 0,0 0 0 0 0,0 0 0 0 0,1 1 0 0 0,-1-1 0 0 0,1 1 0 0 0,5-4 0 0 0,-7 6-49 0 0,-1 0 1 0 0,1 1 0 0 0,-1-1 0 0 0,1 0-1 0 0,-1 1 1 0 0,1 0 0 0 0,-1-1-1 0 0,1 1 1 0 0,0 0 0 0 0,-1 0 0 0 0,1 0-1 0 0,0 0 1 0 0,-1 0 0 0 0,1 0 0 0 0,-1 0-1 0 0,1 1 1 0 0,0-1 0 0 0,-1 1-1 0 0,1-1 1 0 0,-1 1 0 0 0,1-1 0 0 0,-1 1-1 0 0,2 1 1 0 0,1 0-3 0 0,-1 1-1 0 0,1-1 1 0 0,-1 1 0 0 0,0 0 0 0 0,0 0-1 0 0,0 0 1 0 0,0 0 0 0 0,3 5-1 0 0,18 33 35 0 0,-1-2-913 0 0,-8-11-2869 0 0,-7-11-6157 0 0</inkml:trace>
+</inkml:ink>
+</file>
+
+<file path=ppt/ink/ink15.xml><?xml version="1.0" encoding="utf-8"?>
+<inkml:ink xmlns:inkml="http://www.w3.org/2003/InkML">
+  <inkml:definitions>
+    <inkml:context xml:id="ctx0">
+      <inkml:inkSource xml:id="inkSrc0">
+        <inkml:traceFormat>
+          <inkml:channel name="X" type="integer" min="-2.14748E9" max="2.14748E9" units="cm"/>
+          <inkml:channel name="Y" type="integer" min="-2.14748E9" max="2.14748E9" units="cm"/>
+          <inkml:channel name="F" type="integer" max="32767" units="dev"/>
+          <inkml:channel name="OA" type="integer" max="360" units="deg"/>
+          <inkml:channel name="OE" type="integer" max="90" units="deg"/>
+        </inkml:traceFormat>
+        <inkml:channelProperties>
+          <inkml:channelProperty channel="X" name="resolution" value="1000" units="1/cm"/>
+          <inkml:channelProperty channel="Y" name="resolution" value="1000" units="1/cm"/>
+          <inkml:channelProperty channel="F" name="resolution" value="0" units="1/dev"/>
+          <inkml:channelProperty channel="OA" name="resolution" value="1000" units="1/deg"/>
+          <inkml:channelProperty channel="OE" name="resolution" value="1000" units="1/deg"/>
+        </inkml:channelProperties>
+      </inkml:inkSource>
+      <inkml:timestamp xml:id="ts0" timeString="2021-06-04T16:01:05.587"/>
+    </inkml:context>
+    <inkml:brush xml:id="br0">
+      <inkml:brushProperty name="width" value="0.05" units="cm"/>
+      <inkml:brushProperty name="height" value="0.05" units="cm"/>
+      <inkml:brushProperty name="color" value="#FF0066"/>
+    </inkml:brush>
+  </inkml:definitions>
+  <inkml:trace contextRef="#ctx0" brushRef="#br0">90 192 4608 0 0,'-6'-1'307'0'0,"0"-1"0"0"0,0 1 0 0 0,0 0-1 0 0,-6-1 1 0 0,8 2 625 0 0,0 0 0 0 0,1 0 0 0 0,-1 0 0 0 0,1-1-1 0 0,-1 0 1 0 0,1 0 0 0 0,0 0 0 0 0,-1 0-1 0 0,1 0 1 0 0,0-1 0 0 0,0 0 0 0 0,0 1 0 0 0,-6-6 1531 0 0,9 7-2375 0 0,0-1 0 0 0,0 1 0 0 0,1-1 1 0 0,-1 1-1 0 0,0-1 0 0 0,1 1 0 0 0,-1-1 0 0 0,1 1 0 0 0,-1-1 0 0 0,1 1 0 0 0,-1-1 0 0 0,1 1 0 0 0,-1 0 0 0 0,1-1 0 0 0,-1 1 0 0 0,1 0 0 0 0,-1-1 0 0 0,1 1 0 0 0,0 0 0 0 0,-1 0 0 0 0,1 0 0 0 0,-1 0 0 0 0,2-1 0 0 0,14-2 255 0 0,10 3 165 0 0,0 0-1 0 0,47 7 1 0 0,-54-4-311 0 0,182 12 1182 0 0,-158-16-1025 0 0,-1-1-1 0 0,74-13 1 0 0,-97 11-244 0 0,52-12 170 0 0,-62 13-237 0 0,0 1 0 0 0,-1-2 0 0 0,0 1 0 0 0,1-1 0 0 0,13-10 0 0 0,-21 14-32 0 0,0-1 0 0 0,0 0 0 0 0,0 1 0 0 0,0-1 0 0 0,0 0 0 0 0,0 0 0 0 0,-1 0 0 0 0,1 0 0 0 0,0 0 0 0 0,0 0 0 0 0,-1 0 0 0 0,1 0 0 0 0,0 0 0 0 0,-1 0 0 0 0,1 0 0 0 0,-1 0 0 0 0,0 0-1 0 0,1 0 1 0 0,-1 0 0 0 0,0-1 0 0 0,0 1 0 0 0,1 0 0 0 0,-1 0 0 0 0,0-2 0 0 0,-1 1 5 0 0,1 1 1 0 0,-1-1-1 0 0,0 1 0 0 0,0-1 0 0 0,1 1 0 0 0,-1-1 0 0 0,0 1 0 0 0,0 0 1 0 0,0-1-1 0 0,0 1 0 0 0,-1 0 0 0 0,1 0 0 0 0,0-1 0 0 0,-1 1 1 0 0,0-1-1 0 0,-7-3 42 0 0,1 0 0 0 0,-1 1 1 0 0,0-1-1 0 0,-17-4 0 0 0,-7 1-38 0 0,1 1 1 0 0,-44-2-1 0 0,69 8-17 0 0,-150-7 64 0 0,156 8 10 0 0,2 1-10 0 0,3 0-66 0 0,1 1 0 0 0,-1-1 1 0 0,1 0-1 0 0,-1 0 0 0 0,1 0 1 0 0,0-1-1 0 0,-1 0 0 0 0,1 1 1 0 0,8-2-1 0 0,14 1-1 0 0,5 1 61 0 0,-1-1 1 0 0,42-6-1 0 0,-49 3-42 0 0,-21 3-9 0 0,34-1 51 0 0,-36 1-54 0 0,1-1 0 0 0,-1 1-1 0 0,1 1 1 0 0,-1-1-1 0 0,1 0 1 0 0,-1 0-1 0 0,1 0 1 0 0,-1 1-1 0 0,0-1 1 0 0,1 1 0 0 0,-1-1-1 0 0,1 1 1 0 0,-1 0-1 0 0,0 0 1 0 0,0-1-1 0 0,1 1 1 0 0,-1 0-1 0 0,0 0 1 0 0,2 2-1 0 0,-2-1 4 0 0,-1 0-1 0 0,1-1 0 0 0,-1 1 0 0 0,0 0 0 0 0,1-1 0 0 0,-1 1 0 0 0,0 0 1 0 0,0 0-1 0 0,0-1 0 0 0,0 1 0 0 0,-1 0 0 0 0,1 0 0 0 0,0-1 0 0 0,-2 4 0 0 0,-9 23 74 0 0,9-25-68 0 0,-14 34 47 0 0,10-22-29 0 0,0-1-1 0 0,-14 23 1 0 0,-41 45 27 0 0,50-67-56 0 0,3-6 44 0 0,5-6-283 0 0,1-1-1 0 0,0 1 0 0 0,0-1 1 0 0,0 1-1 0 0,0-1 0 0 0,1 1 1 0 0,-1 0-1 0 0,1 0 0 0 0,-1 0 1 0 0,0 5-1 0 0,5 0-2593 0 0,0-2 1250 0 0</inkml:trace>
+</inkml:ink>
+</file>
+
+<file path=ppt/ink/ink2.xml><?xml version="1.0" encoding="utf-8"?>
+<inkml:ink xmlns:inkml="http://www.w3.org/2003/InkML">
+  <inkml:definitions>
+    <inkml:context xml:id="ctx0">
+      <inkml:inkSource xml:id="inkSrc0">
+        <inkml:traceFormat>
+          <inkml:channel name="X" type="integer" min="-2.14748E9" max="2.14748E9" units="cm"/>
+          <inkml:channel name="Y" type="integer" min="-2.14748E9" max="2.14748E9" units="cm"/>
+          <inkml:channel name="F" type="integer" max="32767" units="dev"/>
+          <inkml:channel name="OA" type="integer" max="360" units="deg"/>
+          <inkml:channel name="OE" type="integer" max="90" units="deg"/>
+        </inkml:traceFormat>
+        <inkml:channelProperties>
+          <inkml:channelProperty channel="X" name="resolution" value="1000" units="1/cm"/>
+          <inkml:channelProperty channel="Y" name="resolution" value="1000" units="1/cm"/>
+          <inkml:channelProperty channel="F" name="resolution" value="0" units="1/dev"/>
+          <inkml:channelProperty channel="OA" name="resolution" value="1000" units="1/deg"/>
+          <inkml:channelProperty channel="OE" name="resolution" value="1000" units="1/deg"/>
+        </inkml:channelProperties>
+      </inkml:inkSource>
+      <inkml:timestamp xml:id="ts0" timeString="2021-06-04T16:00:46.471"/>
+    </inkml:context>
+    <inkml:brush xml:id="br0">
+      <inkml:brushProperty name="width" value="0.05" units="cm"/>
+      <inkml:brushProperty name="height" value="0.05" units="cm"/>
+      <inkml:brushProperty name="color" value="#FF0066"/>
+    </inkml:brush>
+  </inkml:definitions>
+  <inkml:trace contextRef="#ctx0" brushRef="#br0">2 110 2760 0 0,'-2'2'17582'0'0,"119"2"-12742"0"0,2-1-3456 0 0,95-1-15 0 0,-42-12-686 0 0,-70 1-365 0 0,-56 7-169 0 0,163-13 493 0 0,19 2-158 0 0,-73 5-200 0 0,-118 6-225 0 0,244-9 483 0 0,52 22 329 0 0,-273-6-471 0 0,66 12 0 0 0,-123-16-404 0 0,-1-1 0 0 0,1 1-1 0 0,-1-1 1 0 0,1 0 0 0 0,0 0 0 0 0,-1 0 0 0 0,1 0 0 0 0,0-1-1 0 0,-1 1 1 0 0,1-1 0 0 0,-1 0 0 0 0,1 1 0 0 0,-1-1-1 0 0,1 0 1 0 0,-1-1 0 0 0,1 1 0 0 0,2-2 0 0 0,-1 0-1 0 0,-1 0 0 0 0,0-1 0 0 0,0 1 0 0 0,0-1 0 0 0,0 1-1 0 0,-1-1 1 0 0,1 0 0 0 0,-1 0 0 0 0,0 0 0 0 0,2-6 0 0 0,-2 6-396 0 0,0 1-1 0 0,0-1 1 0 0,0 0-1 0 0,1 1 1 0 0,-1-1-1 0 0,4-2 1 0 0</inkml:trace>
+</inkml:ink>
+</file>
+
+<file path=ppt/ink/ink3.xml><?xml version="1.0" encoding="utf-8"?>
+<inkml:ink xmlns:inkml="http://www.w3.org/2003/InkML">
+  <inkml:definitions>
+    <inkml:context xml:id="ctx0">
+      <inkml:inkSource xml:id="inkSrc0">
+        <inkml:traceFormat>
+          <inkml:channel name="X" type="integer" min="-2.14748E9" max="2.14748E9" units="cm"/>
+          <inkml:channel name="Y" type="integer" min="-2.14748E9" max="2.14748E9" units="cm"/>
+          <inkml:channel name="F" type="integer" max="32767" units="dev"/>
+          <inkml:channel name="OA" type="integer" max="360" units="deg"/>
+          <inkml:channel name="OE" type="integer" max="90" units="deg"/>
+        </inkml:traceFormat>
+        <inkml:channelProperties>
+          <inkml:channelProperty channel="X" name="resolution" value="1000" units="1/cm"/>
+          <inkml:channelProperty channel="Y" name="resolution" value="1000" units="1/cm"/>
+          <inkml:channelProperty channel="F" name="resolution" value="0" units="1/dev"/>
+          <inkml:channelProperty channel="OA" name="resolution" value="1000" units="1/deg"/>
+          <inkml:channelProperty channel="OE" name="resolution" value="1000" units="1/deg"/>
+        </inkml:channelProperties>
+      </inkml:inkSource>
+      <inkml:timestamp xml:id="ts0" timeString="2021-06-04T16:00:49.659"/>
+    </inkml:context>
+    <inkml:brush xml:id="br0">
+      <inkml:brushProperty name="width" value="0.05" units="cm"/>
+      <inkml:brushProperty name="height" value="0.05" units="cm"/>
+      <inkml:brushProperty name="color" value="#FF0066"/>
+    </inkml:brush>
+  </inkml:definitions>
+  <inkml:trace contextRef="#ctx0" brushRef="#br0">85 20 7488 0 0,'-11'3'444'0'0,"6"-1"-97"0"0,0-1 1 0 0,0 1 0 0 0,0-1-1 0 0,-1 0 1 0 0,1-1 0 0 0,0 1 0 0 0,-1-1-1 0 0,-8-1 1 0 0,10 0-505 0 0,-9 1 8478 0 0,18 4-7839 0 0,15 6-83 0 0,0 0 0 0 0,0-2-1 0 0,1 0 1 0 0,0-1 0 0 0,0-1-1 0 0,1-1 1 0 0,25 3 0 0 0,29-3 803 0 0,121-7 0 0 0,76-23 319 0 0,-171 14-966 0 0,85-12 226 0 0,115-8-460 0 0,-260 29-214 0 0,55-4 345 0 0,144 11 0 0 0,-161 5 517 0 0,-58-6-343 0 0,46 2 0 0 0,-62-8-274 0 0,-4 1-520 0 0,0 0 0 0 0,-1 0 0 0 0,1 0-1 0 0,0 0 1 0 0,0 1 0 0 0,0-1 0 0 0,-1 1-1 0 0,1 0 1 0 0,0-1 0 0 0,0 1 0 0 0,4 0-1 0 0,22 14-6746 0 0</inkml:trace>
+</inkml:ink>
+</file>
+
+<file path=ppt/ink/ink4.xml><?xml version="1.0" encoding="utf-8"?>
+<inkml:ink xmlns:inkml="http://www.w3.org/2003/InkML">
+  <inkml:definitions>
+    <inkml:context xml:id="ctx0">
+      <inkml:inkSource xml:id="inkSrc0">
+        <inkml:traceFormat>
+          <inkml:channel name="X" type="integer" min="-2.14748E9" max="2.14748E9" units="cm"/>
+          <inkml:channel name="Y" type="integer" min="-2.14748E9" max="2.14748E9" units="cm"/>
+          <inkml:channel name="F" type="integer" max="32767" units="dev"/>
+          <inkml:channel name="OA" type="integer" max="360" units="deg"/>
+          <inkml:channel name="OE" type="integer" max="90" units="deg"/>
+        </inkml:traceFormat>
+        <inkml:channelProperties>
+          <inkml:channelProperty channel="X" name="resolution" value="1000" units="1/cm"/>
+          <inkml:channelProperty channel="Y" name="resolution" value="1000" units="1/cm"/>
+          <inkml:channelProperty channel="F" name="resolution" value="0" units="1/dev"/>
+          <inkml:channelProperty channel="OA" name="resolution" value="1000" units="1/deg"/>
+          <inkml:channelProperty channel="OE" name="resolution" value="1000" units="1/deg"/>
+        </inkml:channelProperties>
+      </inkml:inkSource>
+      <inkml:timestamp xml:id="ts0" timeString="2021-06-04T16:00:53.277"/>
+    </inkml:context>
+    <inkml:brush xml:id="br0">
+      <inkml:brushProperty name="width" value="0.05" units="cm"/>
+      <inkml:brushProperty name="height" value="0.05" units="cm"/>
+      <inkml:brushProperty name="color" value="#FF0066"/>
+    </inkml:brush>
+  </inkml:definitions>
+  <inkml:trace contextRef="#ctx0" brushRef="#br0">133 98 10016 0 0,'0'0'462'0'0,"0"-12"164"0"0,0 2 741 0 0,1-1 1 0 0,1 0-1 0 0,0 1 0 0 0,3-12 1 0 0,-1 9-595 0 0,-4 13-634 0 0,-1-1 0 0 0,1 1 0 0 0,0 0 0 0 0,0 0-1 0 0,0-1 1 0 0,0 1 0 0 0,0 0 0 0 0,0-1 0 0 0,1 1 0 0 0,-1 0 0 0 0,0-1-1 0 0,0 1 1 0 0,0 0 0 0 0,0 0 0 0 0,0-1 0 0 0,0 1 0 0 0,0 0 0 0 0,1-1 0 0 0,-1 1-1 0 0,0 0 1 0 0,0 0 0 0 0,0 0 0 0 0,0-1 0 0 0,1 1 0 0 0,-1 0 0 0 0,0 0-1 0 0,0 0 1 0 0,1-1 0 0 0,-1 1 0 0 0,0 0 0 0 0,0 0 0 0 0,1 0 0 0 0,-1 0 0 0 0,0 0-1 0 0,1 0 1 0 0,-1-1 0 0 0,1 1 0 0 0,5 12 1030 0 0,1 20-1114 0 0,0 29 246 0 0,-2 66 0 0 0,-3-47-164 0 0,-3 54 323 0 0,-1-46-115 0 0,2-52-171 0 0,-5 35-1 0 0,5-70-164 0 0,-1 0 0 0 0,1 0 0 0 0,0 0 0 0 0,0 0 1 0 0,0 0-1 0 0,-1-1 0 0 0,1 1 0 0 0,0 0 0 0 0,-1 0 0 0 0,1 0 0 0 0,0 0 1 0 0,-1-1-1 0 0,1 1 0 0 0,-1 0 0 0 0,0 0 0 0 0,1-1 0 0 0,-1 1 0 0 0,0 0 1 0 0,-1 0-1 0 0,2-1-1 0 0,-1 0 1 0 0,1 1-1 0 0,-1-1 1 0 0,0 0-1 0 0,1 0 1 0 0,-1 0-1 0 0,1 0 1 0 0,-1 0-1 0 0,1 0 0 0 0,-1 0 1 0 0,0-1-1 0 0,1 1 1 0 0,-1 0-1 0 0,1 0 1 0 0,-1 0-1 0 0,1-1 1 0 0,-1 1-1 0 0,1 0 1 0 0,-1 0-1 0 0,1-1 1 0 0,-1 1-1 0 0,1 0 0 0 0,-1-1 1 0 0,1 1-1 0 0,0-1 1 0 0,-1 1-1 0 0,1 0 1 0 0,0-1-1 0 0,-1 1 1 0 0,1-2-1 0 0,-51-65 476 0 0,-42-77 0 0 0,90 136-123 0 0,5 12-95 0 0,0 4-258 0 0,0 0 0 0 0,1-1 0 0 0,0 0 0 0 0,0 0 0 0 0,5 8 0 0 0,0 1-3 0 0,8 22-6 0 0,11 22 0 0 0,-24-54 2 0 0,1-1 1 0 0,-1 0 0 0 0,1 0-1 0 0,0 0 1 0 0,0 0-1 0 0,1 0 1 0 0,-1-1 0 0 0,7 4-1 0 0,-10-7 7 0 0,0 0 0 0 0,0-1 0 0 0,0 1 0 0 0,0-1 0 0 0,0 1 0 0 0,0-1 0 0 0,0 1 0 0 0,0-1 0 0 0,0 0 0 0 0,1 0-1 0 0,-1 0 1 0 0,0 1 0 0 0,0-1 0 0 0,0 0 0 0 0,0 0 0 0 0,1-1 0 0 0,-1 1 0 0 0,0 0 0 0 0,2-1 0 0 0,0 0 23 0 0,0 0 0 0 0,-1 0 0 0 0,1-1 1 0 0,-1 1-1 0 0,1-1 0 0 0,-1 0 0 0 0,4-3 0 0 0,2-3 52 0 0,-2 1 0 0 0,1-1-1 0 0,8-14 1 0 0,40-70 679 0 0,-34 55-2865 0 0,0 1-5293 0 0,-8 13-1729 0 0</inkml:trace>
+</inkml:ink>
+</file>
+
+<file path=ppt/ink/ink5.xml><?xml version="1.0" encoding="utf-8"?>
+<inkml:ink xmlns:inkml="http://www.w3.org/2003/InkML">
+  <inkml:definitions>
+    <inkml:context xml:id="ctx0">
+      <inkml:inkSource xml:id="inkSrc0">
+        <inkml:traceFormat>
+          <inkml:channel name="X" type="integer" min="-2.14748E9" max="2.14748E9" units="cm"/>
+          <inkml:channel name="Y" type="integer" min="-2.14748E9" max="2.14748E9" units="cm"/>
+          <inkml:channel name="F" type="integer" max="32767" units="dev"/>
+          <inkml:channel name="OA" type="integer" max="360" units="deg"/>
+          <inkml:channel name="OE" type="integer" max="90" units="deg"/>
+        </inkml:traceFormat>
+        <inkml:channelProperties>
+          <inkml:channelProperty channel="X" name="resolution" value="1000" units="1/cm"/>
+          <inkml:channelProperty channel="Y" name="resolution" value="1000" units="1/cm"/>
+          <inkml:channelProperty channel="F" name="resolution" value="0" units="1/dev"/>
+          <inkml:channelProperty channel="OA" name="resolution" value="1000" units="1/deg"/>
+          <inkml:channelProperty channel="OE" name="resolution" value="1000" units="1/deg"/>
+        </inkml:channelProperties>
+      </inkml:inkSource>
+      <inkml:timestamp xml:id="ts0" timeString="2021-06-04T16:00:53.944"/>
+    </inkml:context>
+    <inkml:brush xml:id="br0">
+      <inkml:brushProperty name="width" value="0.05" units="cm"/>
+      <inkml:brushProperty name="height" value="0.05" units="cm"/>
+      <inkml:brushProperty name="color" value="#FF0066"/>
+    </inkml:brush>
+  </inkml:definitions>
+  <inkml:trace contextRef="#ctx0" brushRef="#br0">16 23 3224 0 0,'-15'-5'19287'0'0,"109"0"-14792"0"0,20 0-2416 0 0,-53 2-1138 0 0,-26 1-737 0 0,-15 0-141 0 0,-1 1 0 0 0,0 1 0 0 0,20 3 0 0 0,-18-1-482 0 0,-1 0 0 0 0,0-2 1 0 0,31-2-1 0 0,-37-2-692 0 0</inkml:trace>
+</inkml:ink>
+</file>
+
+<file path=ppt/ink/ink6.xml><?xml version="1.0" encoding="utf-8"?>
+<inkml:ink xmlns:inkml="http://www.w3.org/2003/InkML">
+  <inkml:definitions>
+    <inkml:context xml:id="ctx0">
+      <inkml:inkSource xml:id="inkSrc0">
+        <inkml:traceFormat>
+          <inkml:channel name="X" type="integer" min="-2.14748E9" max="2.14748E9" units="cm"/>
+          <inkml:channel name="Y" type="integer" min="-2.14748E9" max="2.14748E9" units="cm"/>
+          <inkml:channel name="F" type="integer" max="32767" units="dev"/>
+          <inkml:channel name="OA" type="integer" max="360" units="deg"/>
+          <inkml:channel name="OE" type="integer" max="90" units="deg"/>
+        </inkml:traceFormat>
+        <inkml:channelProperties>
+          <inkml:channelProperty channel="X" name="resolution" value="1000" units="1/cm"/>
+          <inkml:channelProperty channel="Y" name="resolution" value="1000" units="1/cm"/>
+          <inkml:channelProperty channel="F" name="resolution" value="0" units="1/dev"/>
+          <inkml:channelProperty channel="OA" name="resolution" value="1000" units="1/deg"/>
+          <inkml:channelProperty channel="OE" name="resolution" value="1000" units="1/deg"/>
+        </inkml:channelProperties>
+      </inkml:inkSource>
+      <inkml:timestamp xml:id="ts0" timeString="2021-06-04T16:00:54.319"/>
+    </inkml:context>
+    <inkml:brush xml:id="br0">
+      <inkml:brushProperty name="width" value="0.05" units="cm"/>
+      <inkml:brushProperty name="height" value="0.05" units="cm"/>
+      <inkml:brushProperty name="color" value="#FF0066"/>
+    </inkml:brush>
+  </inkml:definitions>
+  <inkml:trace contextRef="#ctx0" brushRef="#br0">206 1 20127 0 0,'-3'2'217'0'0,"0"-1"0"0"0,0 1 0 0 0,0 0-1 0 0,0 0 1 0 0,0 1 0 0 0,1-1 0 0 0,-1 1 0 0 0,1-1-1 0 0,0 1 1 0 0,-1 0 0 0 0,1 0 0 0 0,0 0-1 0 0,-1 3 1 0 0,-3 6 552 0 0,1 1-1 0 0,-5 16 0 0 0,-3 8 251 0 0,-48 139 545 0 0,33-86-1351 0 0,-6 52-36 0 0,25-97-251 0 0,7-23-483 0 0,1-8-2645 0 0</inkml:trace>
+</inkml:ink>
+</file>
+
+<file path=ppt/ink/ink7.xml><?xml version="1.0" encoding="utf-8"?>
+<inkml:ink xmlns:inkml="http://www.w3.org/2003/InkML">
+  <inkml:definitions>
+    <inkml:context xml:id="ctx0">
+      <inkml:inkSource xml:id="inkSrc0">
+        <inkml:traceFormat>
+          <inkml:channel name="X" type="integer" min="-2.14748E9" max="2.14748E9" units="cm"/>
+          <inkml:channel name="Y" type="integer" min="-2.14748E9" max="2.14748E9" units="cm"/>
+          <inkml:channel name="F" type="integer" max="32767" units="dev"/>
+          <inkml:channel name="OA" type="integer" max="360" units="deg"/>
+          <inkml:channel name="OE" type="integer" max="90" units="deg"/>
+        </inkml:traceFormat>
+        <inkml:channelProperties>
+          <inkml:channelProperty channel="X" name="resolution" value="1000" units="1/cm"/>
+          <inkml:channelProperty channel="Y" name="resolution" value="1000" units="1/cm"/>
+          <inkml:channelProperty channel="F" name="resolution" value="0" units="1/dev"/>
+          <inkml:channelProperty channel="OA" name="resolution" value="1000" units="1/deg"/>
+          <inkml:channelProperty channel="OE" name="resolution" value="1000" units="1/deg"/>
+        </inkml:channelProperties>
+      </inkml:inkSource>
+      <inkml:timestamp xml:id="ts0" timeString="2021-06-04T16:00:54.733"/>
+    </inkml:context>
+    <inkml:brush xml:id="br0">
+      <inkml:brushProperty name="width" value="0.05" units="cm"/>
+      <inkml:brushProperty name="height" value="0.05" units="cm"/>
+      <inkml:brushProperty name="color" value="#FF0066"/>
+    </inkml:brush>
+  </inkml:definitions>
+  <inkml:trace contextRef="#ctx0" brushRef="#br0">45 65 3224 0 0,'0'0'11533'0'0,"3"-15"-8955"0"0,-4 15-2497 0 0,1 0 0 0 0,0 0 0 0 0,0 0 0 0 0,0-1 0 0 0,0 1 0 0 0,0 0 0 0 0,0 0 0 0 0,-1 0 0 0 0,1-1-1 0 0,0 1 1 0 0,0 0 0 0 0,0 0 0 0 0,0 0 0 0 0,-1 0 0 0 0,1 0 0 0 0,0-1 0 0 0,0 1 0 0 0,0 0 0 0 0,-1 0 0 0 0,1 0-1 0 0,0 0 1 0 0,0 0 0 0 0,0 0 0 0 0,-1 0 0 0 0,1 0 0 0 0,0 0 0 0 0,0 0 0 0 0,-1 0 0 0 0,1 0 0 0 0,0 0-1 0 0,0 0 1 0 0,-1 0 0 0 0,1 0 0 0 0,0 0 0 0 0,0 0 0 0 0,-1 0 0 0 0,1 0 0 0 0,0 0 0 0 0,0 0 0 0 0,0 0-1 0 0,-1 1 1 0 0,1-1 0 0 0,0 0 0 0 0,0 0 0 0 0,0 0 0 0 0,0 0 0 0 0,-1 0 0 0 0,1 1 0 0 0,0-1 0 0 0,0 0-1 0 0,0 0 1 0 0,0 0 0 0 0,-1 1 0 0 0,-8 12-115 0 0,-1 16 167 0 0,7-20-108 0 0,0 0 0 0 0,0 0 0 0 0,1 0-1 0 0,-2 13 1 0 0,2-8 62 0 0,2-1 0 0 0,-1 1 0 0 0,2-1 0 0 0,0 1 0 0 0,0-1-1 0 0,7 27 1 0 0,-7-39-63 0 0,-1 1 0 0 0,0 0 0 0 0,1-1 0 0 0,-1 1 0 0 0,1-1 0 0 0,0 1-1 0 0,0 0 1 0 0,-1-1 0 0 0,1 1 0 0 0,0-1 0 0 0,0 0 0 0 0,0 1 0 0 0,1-1 0 0 0,-1 0-1 0 0,0 0 1 0 0,0 1 0 0 0,1-1 0 0 0,-1 0 0 0 0,1 0 0 0 0,-1-1 0 0 0,1 1 0 0 0,-1 0-1 0 0,1 0 1 0 0,-1-1 0 0 0,1 1 0 0 0,0-1 0 0 0,-1 1 0 0 0,1-1 0 0 0,0 0 0 0 0,-1 0-1 0 0,1 0 1 0 0,0 0 0 0 0,0 0 0 0 0,-1 0 0 0 0,3 0 0 0 0,1-1 50 0 0,-1-1 1 0 0,1 1-1 0 0,-1-1 0 0 0,1 0 1 0 0,-1 0-1 0 0,0 0 0 0 0,0-1 1 0 0,0 1-1 0 0,0-1 1 0 0,0 0-1 0 0,4-5 0 0 0,9-11 178 0 0,-1-1 0 0 0,0 0 0 0 0,-2-1-1 0 0,-1-1 1 0 0,17-36 0 0 0,-13 16 285 0 0,2-6 529 0 0,-10 26-17 0 0,-8 21-452 0 0,1 10-390 0 0,0 13-125 0 0,0 0 1 0 0,-4 33-1 0 0,1-29 3 0 0,3 38 0 0 0,-1-60-193 0 0,-1 0 1 0 0,1 0-1 0 0,0 0 0 0 0,1 0 0 0 0,-1 0 1 0 0,1 0-1 0 0,-1 0 0 0 0,1 0 1 0 0,0 0-1 0 0,5 6 0 0 0,-5-8 40 0 0,-1-1 1 0 0,0 0-1 0 0,0 1 0 0 0,1-1 1 0 0,-1 0-1 0 0,1 0 0 0 0,-1 0 1 0 0,1 0-1 0 0,-1 0 0 0 0,1 0 1 0 0,-1-1-1 0 0,1 1 1 0 0,0 0-1 0 0,0-1 0 0 0,-1 1 1 0 0,1-1-1 0 0,0 0 0 0 0,0 1 1 0 0,0-1-1 0 0,-1 0 0 0 0,1 0 1 0 0,0 0-1 0 0,0 0 0 0 0,0-1 1 0 0,-1 1-1 0 0,4-1 0 0 0,18-10-3629 0 0,-11 2 1622 0 0</inkml:trace>
+</inkml:ink>
+</file>
+
+<file path=ppt/ink/ink8.xml><?xml version="1.0" encoding="utf-8"?>
+<inkml:ink xmlns:inkml="http://www.w3.org/2003/InkML">
+  <inkml:definitions>
+    <inkml:context xml:id="ctx0">
+      <inkml:inkSource xml:id="inkSrc0">
+        <inkml:traceFormat>
+          <inkml:channel name="X" type="integer" min="-2.14748E9" max="2.14748E9" units="cm"/>
+          <inkml:channel name="Y" type="integer" min="-2.14748E9" max="2.14748E9" units="cm"/>
+          <inkml:channel name="F" type="integer" max="32767" units="dev"/>
+          <inkml:channel name="OA" type="integer" max="360" units="deg"/>
+          <inkml:channel name="OE" type="integer" max="90" units="deg"/>
+        </inkml:traceFormat>
+        <inkml:channelProperties>
+          <inkml:channelProperty channel="X" name="resolution" value="1000" units="1/cm"/>
+          <inkml:channelProperty channel="Y" name="resolution" value="1000" units="1/cm"/>
+          <inkml:channelProperty channel="F" name="resolution" value="0" units="1/dev"/>
+          <inkml:channelProperty channel="OA" name="resolution" value="1000" units="1/deg"/>
+          <inkml:channelProperty channel="OE" name="resolution" value="1000" units="1/deg"/>
+        </inkml:channelProperties>
+      </inkml:inkSource>
+      <inkml:timestamp xml:id="ts0" timeString="2021-06-04T16:00:55.134"/>
+    </inkml:context>
+    <inkml:brush xml:id="br0">
+      <inkml:brushProperty name="width" value="0.05" units="cm"/>
+      <inkml:brushProperty name="height" value="0.05" units="cm"/>
+      <inkml:brushProperty name="color" value="#FF0066"/>
+    </inkml:brush>
+  </inkml:definitions>
+  <inkml:trace contextRef="#ctx0" brushRef="#br0">27 99 3224 0 0,'1'0'7741'0'0,"6"2"-5328"0"0,-4-2-1761 0 0,-1 0 0 0 0,1 0-1 0 0,-1 0 1 0 0,1 0 0 0 0,-1-1-1 0 0,1 1 1 0 0,-1-1 0 0 0,1 1-1 0 0,-1-1 1 0 0,4-2 0 0 0,-2 2-259 0 0,0-1 0 0 0,-1 0 0 0 0,0-1 0 0 0,1 1 0 0 0,-1-1 0 0 0,4-3 0 0 0,-4 3-258 0 0,-1 0 0 0 0,1 0 1 0 0,-1 0-1 0 0,1 0 0 0 0,-1-1 0 0 0,0 1 1 0 0,0 0-1 0 0,-1-1 0 0 0,1 0 0 0 0,-1 1 1 0 0,0-1-1 0 0,0 0 0 0 0,0 0 0 0 0,0 0 1 0 0,0-3-1 0 0,-1 6-135 0 0,0 0 1 0 0,0 1-1 0 0,0-1 1 0 0,0 0-1 0 0,0 1 1 0 0,0-1-1 0 0,0 1 0 0 0,0-1 1 0 0,-1 0-1 0 0,1 1 1 0 0,0-1-1 0 0,0 1 1 0 0,0-1-1 0 0,-1 0 1 0 0,1 1-1 0 0,0-1 0 0 0,-1 1 1 0 0,1-1-1 0 0,0 1 1 0 0,-1-1-1 0 0,1 1 1 0 0,-1-1-1 0 0,1 1 1 0 0,-1 0-1 0 0,0-1 1 0 0,0 0 7 0 0,0 1 1 0 0,0 0 0 0 0,0 0 0 0 0,0 0 0 0 0,1 0 0 0 0,-1 0 0 0 0,0 0 0 0 0,0 0-1 0 0,0 0 1 0 0,0 0 0 0 0,0 1 0 0 0,0-1 0 0 0,0 0 0 0 0,1 0 0 0 0,-3 1 0 0 0,-1 1 120 0 0,1 0 0 0 0,-1 1 0 0 0,0-1 0 0 0,1 1 0 0 0,-1 0 0 0 0,-4 4 0 0 0,0 4 7 0 0,0 0-1 0 0,0 1 1 0 0,1 0 0 0 0,1 1-1 0 0,0-1 1 0 0,1 1 0 0 0,0 0-1 0 0,1 0 1 0 0,0 1 0 0 0,-1 14-1 0 0,4-25-117 0 0,1 1 0 0 0,-1 0 0 0 0,1 0 0 0 0,0 0-1 0 0,0 0 1 0 0,0 0 0 0 0,1 0 0 0 0,-1 0 0 0 0,1-1 0 0 0,0 1 0 0 0,3 6-1 0 0,-4-9-75 0 0,1 1 0 0 0,0-1 0 0 0,0 0 0 0 0,0 1 0 0 0,0-1 0 0 0,0 0 0 0 0,1 0-1 0 0,-1 1 1 0 0,0-1 0 0 0,1 0 0 0 0,-1 0 0 0 0,0-1 0 0 0,1 1 0 0 0,-1 0 0 0 0,1 0 0 0 0,-1-1-1 0 0,1 1 1 0 0,0-1 0 0 0,-1 1 0 0 0,1-1 0 0 0,0 0 0 0 0,-1 1 0 0 0,1-1 0 0 0,0 0-1 0 0,-1 0 1 0 0,1 0 0 0 0,0-1 0 0 0,-1 1 0 0 0,4-1 0 0 0,0 0-668 0 0,0 0 0 0 0,0-1 0 0 0,0 0 0 0 0,0 0 0 0 0,8-4 0 0 0,4-6-7480 0 0</inkml:trace>
+</inkml:ink>
+</file>
+
+<file path=ppt/ink/ink9.xml><?xml version="1.0" encoding="utf-8"?>
+<inkml:ink xmlns:inkml="http://www.w3.org/2003/InkML">
+  <inkml:definitions>
+    <inkml:context xml:id="ctx0">
+      <inkml:inkSource xml:id="inkSrc0">
+        <inkml:traceFormat>
+          <inkml:channel name="X" type="integer" min="-2.14748E9" max="2.14748E9" units="cm"/>
+          <inkml:channel name="Y" type="integer" min="-2.14748E9" max="2.14748E9" units="cm"/>
+          <inkml:channel name="F" type="integer" max="32767" units="dev"/>
+          <inkml:channel name="OA" type="integer" max="360" units="deg"/>
+          <inkml:channel name="OE" type="integer" max="90" units="deg"/>
+        </inkml:traceFormat>
+        <inkml:channelProperties>
+          <inkml:channelProperty channel="X" name="resolution" value="1000" units="1/cm"/>
+          <inkml:channelProperty channel="Y" name="resolution" value="1000" units="1/cm"/>
+          <inkml:channelProperty channel="F" name="resolution" value="0" units="1/dev"/>
+          <inkml:channelProperty channel="OA" name="resolution" value="1000" units="1/deg"/>
+          <inkml:channelProperty channel="OE" name="resolution" value="1000" units="1/deg"/>
+        </inkml:channelProperties>
+      </inkml:inkSource>
+      <inkml:timestamp xml:id="ts0" timeString="2021-06-04T16:00:55.537"/>
+    </inkml:context>
+    <inkml:brush xml:id="br0">
+      <inkml:brushProperty name="width" value="0.05" units="cm"/>
+      <inkml:brushProperty name="height" value="0.05" units="cm"/>
+      <inkml:brushProperty name="color" value="#FF0066"/>
+    </inkml:brush>
+  </inkml:definitions>
+  <inkml:trace contextRef="#ctx0" brushRef="#br0">51 265 22607 0 0,'0'0'514'0'0,"-1"1"71"0"0,-6 2-235 0 0,1 1 1 0 0,1-1-1 0 0,-1 2 0 0 0,-8 6 0 0 0,13-10-261 0 0,-1 0 0 0 0,1 1-1 0 0,0-1 1 0 0,0 0-1 0 0,0 1 1 0 0,1-1 0 0 0,-1 0-1 0 0,0 1 1 0 0,0-1-1 0 0,1 1 1 0 0,-2 3 0 0 0,2-5-19 0 0,0 1 1 0 0,0 0-1 0 0,0 0 1 0 0,0 0 0 0 0,0 0-1 0 0,0-1 1 0 0,1 1-1 0 0,-1 0 1 0 0,0 0 0 0 0,0 0-1 0 0,1-1 1 0 0,-1 1 0 0 0,0 0-1 0 0,1 0 1 0 0,-1-1-1 0 0,1 1 1 0 0,-1 0 0 0 0,1-1-1 0 0,-1 1 1 0 0,1 0-1 0 0,0-1 1 0 0,-1 1 0 0 0,1-1-1 0 0,1 2 1 0 0,37 21 1256 0 0,-30-18-1241 0 0,1 1 1 0 0,-1 0-1 0 0,0 0 1 0 0,0 1 0 0 0,12 12-1 0 0,-19-16-89 0 0,0-1 0 0 0,-1 1-1 0 0,1 0 1 0 0,-1 0 0 0 0,0 0 0 0 0,0 0-1 0 0,0 0 1 0 0,0 0 0 0 0,0 0-1 0 0,-1 0 1 0 0,1 0 0 0 0,-1 0-1 0 0,0 0 1 0 0,0 0 0 0 0,0 0-1 0 0,0 0 1 0 0,-1 1 0 0 0,1-1-1 0 0,-1 0 1 0 0,0 0 0 0 0,0 0 0 0 0,0 0-1 0 0,0-1 1 0 0,0 1 0 0 0,-1 0-1 0 0,1 0 1 0 0,-1-1 0 0 0,0 1-1 0 0,0-1 1 0 0,0 1 0 0 0,0-1-1 0 0,-4 3 1 0 0,3-1-147 0 0,-1-1-1 0 0,0-1 0 0 0,-1 1 1 0 0,1 0-1 0 0,0-1 1 0 0,-1 0-1 0 0,1 0 1 0 0,-1 0-1 0 0,-7 1 1 0 0,-7 0-2986 0 0,-1-2-3520 0 0,8-3-1438 0 0</inkml:trace>
+  <inkml:trace contextRef="#ctx0" brushRef="#br0" timeOffset="1">348 238 16727 0 0,'-8'5'454'0'0,"1"1"0"0"0,0 0 0 0 0,-8 10 0 0 0,-5 3 317 0 0,13-12 44 0 0,0 1 0 0 0,-9 14 0 0 0,2-3 33 0 0,6-8-413 0 0,1 0 1 0 0,1 0-1 0 0,0 1 0 0 0,1 0 0 0 0,1 0 0 0 0,-1 1 0 0 0,2-1 0 0 0,-4 21 0 0 0,6-31-378 0 0,1 0 1 0 0,0 0-1 0 0,-1 0 0 0 0,1 0 0 0 0,0 0 0 0 0,0 0 1 0 0,0 0-1 0 0,1 0 0 0 0,-1 0 0 0 0,0 0 0 0 0,1 0 0 0 0,-1 0 1 0 0,1 0-1 0 0,0 0 0 0 0,-1 0 0 0 0,1 0 0 0 0,0 0 1 0 0,0 0-1 0 0,0 0 0 0 0,1-1 0 0 0,-1 1 0 0 0,2 1 1 0 0,-2-2-39 0 0,1 0 1 0 0,-1 0 0 0 0,1 0 0 0 0,-1 0 0 0 0,1-1 0 0 0,0 1-1 0 0,-1-1 1 0 0,1 1 0 0 0,0-1 0 0 0,0 1 0 0 0,-1-1-1 0 0,1 0 1 0 0,0 0 0 0 0,0 0 0 0 0,-1 0 0 0 0,1 0 0 0 0,0-1-1 0 0,0 1 1 0 0,-1 0 0 0 0,1-1 0 0 0,0 1 0 0 0,-1-1 0 0 0,1 1-1 0 0,0-1 1 0 0,-1 0 0 0 0,2-1 0 0 0,8-5 30 0 0,-1 0 1 0 0,0-1-1 0 0,-1 0 1 0 0,0 0-1 0 0,-1-1 1 0 0,1 0 0 0 0,-1-1-1 0 0,-1 0 1 0 0,9-14-1 0 0,0-2 38 0 0,-1-1 1 0 0,-1 0-1 0 0,-1-1 0 0 0,11-37 0 0 0,34-169 1719 0 0,-57 222-1554 0 0,-6 15-89 0 0,-5 18-64 0 0,-2 17-90 0 0,1-1-1 0 0,2 1 0 0 0,1 0 1 0 0,3 1-1 0 0,-2 51 0 0 0,7-84-72 0 0,0-1-1 0 0,0 1 0 0 0,1 0 0 0 0,0 0 1 0 0,0-1-1 0 0,1 1 0 0 0,-1 0 0 0 0,1-1 1 0 0,0 1-1 0 0,1-1 0 0 0,-1 0 0 0 0,1 0 1 0 0,5 7-1 0 0,-6-10-221 0 0,0 0 1 0 0,0 0-1 0 0,0 0 0 0 0,1 0 1 0 0,-1 0-1 0 0,0 0 0 0 0,1-1 1 0 0,0 1-1 0 0,-1-1 0 0 0,1 1 1 0 0,4 0-1 0 0,-3-1-511 0 0,-1 0 0 0 0,0-1 1 0 0,1 1-1 0 0,-1-1 0 0 0,1 0 0 0 0,-1 0 0 0 0,1 0 0 0 0,-1-1 1 0 0,1 1-1 0 0,-1-1 0 0 0,6-1 0 0 0,8-5-6918 0 0</inkml:trace>
+</inkml:ink>
 </file>
 
 <file path=ppt/notesMasters/notesMaster1.xml><?xml version="1.0" encoding="utf-8"?>
@@ -833,7 +1314,7 @@
           <a:p>
             <a:fld id="{3A2BF66F-FEB0-48C1-A8B9-A73F54BB1A08}" type="datetimeFigureOut">
               <a:rPr lang="en-US" smtClean="0"/>
-              <a:t>6/3/2021</a:t>
+              <a:t>6/4/2021</a:t>
             </a:fld>
             <a:endParaRPr lang="en-US" dirty="0"/>
           </a:p>
@@ -1041,7 +1522,7 @@
           <a:p>
             <a:fld id="{3A2BF66F-FEB0-48C1-A8B9-A73F54BB1A08}" type="datetimeFigureOut">
               <a:rPr lang="en-US" smtClean="0"/>
-              <a:t>6/3/2021</a:t>
+              <a:t>6/4/2021</a:t>
             </a:fld>
             <a:endParaRPr lang="en-US" dirty="0"/>
           </a:p>
@@ -1259,7 +1740,7 @@
           <a:p>
             <a:fld id="{3A2BF66F-FEB0-48C1-A8B9-A73F54BB1A08}" type="datetimeFigureOut">
               <a:rPr lang="en-US" smtClean="0"/>
-              <a:t>6/3/2021</a:t>
+              <a:t>6/4/2021</a:t>
             </a:fld>
             <a:endParaRPr lang="en-US" dirty="0"/>
           </a:p>
@@ -1467,7 +1948,7 @@
           <a:p>
             <a:fld id="{3A2BF66F-FEB0-48C1-A8B9-A73F54BB1A08}" type="datetimeFigureOut">
               <a:rPr lang="en-US" smtClean="0"/>
-              <a:t>6/3/2021</a:t>
+              <a:t>6/4/2021</a:t>
             </a:fld>
             <a:endParaRPr lang="en-US" dirty="0"/>
           </a:p>
@@ -1752,7 +2233,7 @@
           <a:p>
             <a:fld id="{3A2BF66F-FEB0-48C1-A8B9-A73F54BB1A08}" type="datetimeFigureOut">
               <a:rPr lang="en-US" smtClean="0"/>
-              <a:t>6/3/2021</a:t>
+              <a:t>6/4/2021</a:t>
             </a:fld>
             <a:endParaRPr lang="en-US" dirty="0"/>
           </a:p>
@@ -2027,7 +2508,7 @@
           <a:p>
             <a:fld id="{3A2BF66F-FEB0-48C1-A8B9-A73F54BB1A08}" type="datetimeFigureOut">
               <a:rPr lang="en-US" smtClean="0"/>
-              <a:t>6/3/2021</a:t>
+              <a:t>6/4/2021</a:t>
             </a:fld>
             <a:endParaRPr lang="en-US" dirty="0"/>
           </a:p>
@@ -2449,7 +2930,7 @@
           <a:p>
             <a:fld id="{3A2BF66F-FEB0-48C1-A8B9-A73F54BB1A08}" type="datetimeFigureOut">
               <a:rPr lang="en-US" smtClean="0"/>
-              <a:t>6/3/2021</a:t>
+              <a:t>6/4/2021</a:t>
             </a:fld>
             <a:endParaRPr lang="en-US" dirty="0"/>
           </a:p>
@@ -2600,7 +3081,7 @@
           <a:p>
             <a:fld id="{3A2BF66F-FEB0-48C1-A8B9-A73F54BB1A08}" type="datetimeFigureOut">
               <a:rPr lang="en-US" smtClean="0"/>
-              <a:t>6/3/2021</a:t>
+              <a:t>6/4/2021</a:t>
             </a:fld>
             <a:endParaRPr lang="en-US" dirty="0"/>
           </a:p>
@@ -2723,7 +3204,7 @@
           <a:p>
             <a:fld id="{3A2BF66F-FEB0-48C1-A8B9-A73F54BB1A08}" type="datetimeFigureOut">
               <a:rPr lang="en-US" smtClean="0"/>
-              <a:t>6/3/2021</a:t>
+              <a:t>6/4/2021</a:t>
             </a:fld>
             <a:endParaRPr lang="en-US" dirty="0"/>
           </a:p>
@@ -3043,7 +3524,7 @@
           <a:p>
             <a:fld id="{3A2BF66F-FEB0-48C1-A8B9-A73F54BB1A08}" type="datetimeFigureOut">
               <a:rPr lang="en-US" smtClean="0"/>
-              <a:t>6/3/2021</a:t>
+              <a:t>6/4/2021</a:t>
             </a:fld>
             <a:endParaRPr lang="en-US" dirty="0"/>
           </a:p>
@@ -3341,7 +3822,7 @@
           <a:p>
             <a:fld id="{3A2BF66F-FEB0-48C1-A8B9-A73F54BB1A08}" type="datetimeFigureOut">
               <a:rPr lang="en-US" smtClean="0"/>
-              <a:t>6/3/2021</a:t>
+              <a:t>6/4/2021</a:t>
             </a:fld>
             <a:endParaRPr lang="en-US" dirty="0"/>
           </a:p>
@@ -3592,7 +4073,7 @@
           <a:p>
             <a:fld id="{3A2BF66F-FEB0-48C1-A8B9-A73F54BB1A08}" type="datetimeFigureOut">
               <a:rPr lang="en-US" smtClean="0"/>
-              <a:t>6/3/2021</a:t>
+              <a:t>6/4/2021</a:t>
             </a:fld>
             <a:endParaRPr lang="en-US" dirty="0"/>
           </a:p>
@@ -4290,6 +4771,792 @@
           </a:p>
         </p:txBody>
       </p:sp>
+      <mc:AlternateContent xmlns:mc="http://schemas.openxmlformats.org/markup-compatibility/2006">
+        <mc:Choice xmlns:p14="http://schemas.microsoft.com/office/powerpoint/2010/main" Requires="p14">
+          <p:contentPart p14:bwMode="auto" r:id="rId2">
+            <p14:nvContentPartPr>
+              <p14:cNvPr id="4" name="Ink 3">
+                <a:extLst>
+                  <a:ext uri="{FF2B5EF4-FFF2-40B4-BE49-F238E27FC236}">
+                    <a16:creationId xmlns:a16="http://schemas.microsoft.com/office/drawing/2014/main" id="{156F38FB-6164-4BC4-A3E6-555F7B327A99}"/>
+                  </a:ext>
+                </a:extLst>
+              </p14:cNvPr>
+              <p14:cNvContentPartPr/>
+              <p14:nvPr/>
+            </p14:nvContentPartPr>
+            <p14:xfrm>
+              <a:off x="866809" y="1748419"/>
+              <a:ext cx="916920" cy="16560"/>
+            </p14:xfrm>
+          </p:contentPart>
+        </mc:Choice>
+        <mc:Fallback>
+          <p:pic>
+            <p:nvPicPr>
+              <p:cNvPr id="4" name="Ink 3">
+                <a:extLst>
+                  <a:ext uri="{FF2B5EF4-FFF2-40B4-BE49-F238E27FC236}">
+                    <a16:creationId xmlns:a16="http://schemas.microsoft.com/office/drawing/2014/main" id="{156F38FB-6164-4BC4-A3E6-555F7B327A99}"/>
+                  </a:ext>
+                </a:extLst>
+              </p:cNvPr>
+              <p:cNvPicPr/>
+              <p:nvPr/>
+            </p:nvPicPr>
+            <p:blipFill>
+              <a:blip r:embed="rId3"/>
+              <a:stretch>
+                <a:fillRect/>
+              </a:stretch>
+            </p:blipFill>
+            <p:spPr>
+              <a:xfrm>
+                <a:off x="858169" y="1739779"/>
+                <a:ext cx="934560" cy="34200"/>
+              </a:xfrm>
+              <a:prstGeom prst="rect">
+                <a:avLst/>
+              </a:prstGeom>
+            </p:spPr>
+          </p:pic>
+        </mc:Fallback>
+      </mc:AlternateContent>
+      <mc:AlternateContent xmlns:mc="http://schemas.openxmlformats.org/markup-compatibility/2006">
+        <mc:Choice xmlns:p14="http://schemas.microsoft.com/office/powerpoint/2010/main" Requires="p14">
+          <p:contentPart p14:bwMode="auto" r:id="rId4">
+            <p14:nvContentPartPr>
+              <p14:cNvPr id="5" name="Ink 4">
+                <a:extLst>
+                  <a:ext uri="{FF2B5EF4-FFF2-40B4-BE49-F238E27FC236}">
+                    <a16:creationId xmlns:a16="http://schemas.microsoft.com/office/drawing/2014/main" id="{4E064C82-2989-4CB0-8126-192479F7403D}"/>
+                  </a:ext>
+                </a:extLst>
+              </p14:cNvPr>
+              <p14:cNvContentPartPr/>
+              <p14:nvPr/>
+            </p14:nvContentPartPr>
+            <p14:xfrm>
+              <a:off x="3878569" y="1683979"/>
+              <a:ext cx="828000" cy="43920"/>
+            </p14:xfrm>
+          </p:contentPart>
+        </mc:Choice>
+        <mc:Fallback>
+          <p:pic>
+            <p:nvPicPr>
+              <p:cNvPr id="5" name="Ink 4">
+                <a:extLst>
+                  <a:ext uri="{FF2B5EF4-FFF2-40B4-BE49-F238E27FC236}">
+                    <a16:creationId xmlns:a16="http://schemas.microsoft.com/office/drawing/2014/main" id="{4E064C82-2989-4CB0-8126-192479F7403D}"/>
+                  </a:ext>
+                </a:extLst>
+              </p:cNvPr>
+              <p:cNvPicPr/>
+              <p:nvPr/>
+            </p:nvPicPr>
+            <p:blipFill>
+              <a:blip r:embed="rId5"/>
+              <a:stretch>
+                <a:fillRect/>
+              </a:stretch>
+            </p:blipFill>
+            <p:spPr>
+              <a:xfrm>
+                <a:off x="3869569" y="1675339"/>
+                <a:ext cx="845640" cy="61560"/>
+              </a:xfrm>
+              <a:prstGeom prst="rect">
+                <a:avLst/>
+              </a:prstGeom>
+            </p:spPr>
+          </p:pic>
+        </mc:Fallback>
+      </mc:AlternateContent>
+      <mc:AlternateContent xmlns:mc="http://schemas.openxmlformats.org/markup-compatibility/2006">
+        <mc:Choice xmlns:p14="http://schemas.microsoft.com/office/powerpoint/2010/main" Requires="p14">
+          <p:contentPart p14:bwMode="auto" r:id="rId6">
+            <p14:nvContentPartPr>
+              <p14:cNvPr id="6" name="Ink 5">
+                <a:extLst>
+                  <a:ext uri="{FF2B5EF4-FFF2-40B4-BE49-F238E27FC236}">
+                    <a16:creationId xmlns:a16="http://schemas.microsoft.com/office/drawing/2014/main" id="{9B611221-B15C-4227-9701-6269123D320A}"/>
+                  </a:ext>
+                </a:extLst>
+              </p14:cNvPr>
+              <p14:cNvContentPartPr/>
+              <p14:nvPr/>
+            </p14:nvContentPartPr>
+            <p14:xfrm>
+              <a:off x="2454409" y="2166739"/>
+              <a:ext cx="700200" cy="36360"/>
+            </p14:xfrm>
+          </p:contentPart>
+        </mc:Choice>
+        <mc:Fallback>
+          <p:pic>
+            <p:nvPicPr>
+              <p:cNvPr id="6" name="Ink 5">
+                <a:extLst>
+                  <a:ext uri="{FF2B5EF4-FFF2-40B4-BE49-F238E27FC236}">
+                    <a16:creationId xmlns:a16="http://schemas.microsoft.com/office/drawing/2014/main" id="{9B611221-B15C-4227-9701-6269123D320A}"/>
+                  </a:ext>
+                </a:extLst>
+              </p:cNvPr>
+              <p:cNvPicPr/>
+              <p:nvPr/>
+            </p:nvPicPr>
+            <p:blipFill>
+              <a:blip r:embed="rId7"/>
+              <a:stretch>
+                <a:fillRect/>
+              </a:stretch>
+            </p:blipFill>
+            <p:spPr>
+              <a:xfrm>
+                <a:off x="2445769" y="2157739"/>
+                <a:ext cx="717840" cy="54000"/>
+              </a:xfrm>
+              <a:prstGeom prst="rect">
+                <a:avLst/>
+              </a:prstGeom>
+            </p:spPr>
+          </p:pic>
+        </mc:Fallback>
+      </mc:AlternateContent>
+      <mc:AlternateContent xmlns:mc="http://schemas.openxmlformats.org/markup-compatibility/2006">
+        <mc:Choice xmlns:p14="http://schemas.microsoft.com/office/powerpoint/2010/main" Requires="p14">
+          <p:contentPart p14:bwMode="auto" r:id="rId8">
+            <p14:nvContentPartPr>
+              <p14:cNvPr id="7" name="Ink 6">
+                <a:extLst>
+                  <a:ext uri="{FF2B5EF4-FFF2-40B4-BE49-F238E27FC236}">
+                    <a16:creationId xmlns:a16="http://schemas.microsoft.com/office/drawing/2014/main" id="{952C7498-7FAA-40A0-92EB-24BC590EACA9}"/>
+                  </a:ext>
+                </a:extLst>
+              </p14:cNvPr>
+              <p14:cNvContentPartPr/>
+              <p14:nvPr/>
+            </p14:nvContentPartPr>
+            <p14:xfrm>
+              <a:off x="1862569" y="3537259"/>
+              <a:ext cx="111600" cy="237240"/>
+            </p14:xfrm>
+          </p:contentPart>
+        </mc:Choice>
+        <mc:Fallback>
+          <p:pic>
+            <p:nvPicPr>
+              <p:cNvPr id="7" name="Ink 6">
+                <a:extLst>
+                  <a:ext uri="{FF2B5EF4-FFF2-40B4-BE49-F238E27FC236}">
+                    <a16:creationId xmlns:a16="http://schemas.microsoft.com/office/drawing/2014/main" id="{952C7498-7FAA-40A0-92EB-24BC590EACA9}"/>
+                  </a:ext>
+                </a:extLst>
+              </p:cNvPr>
+              <p:cNvPicPr/>
+              <p:nvPr/>
+            </p:nvPicPr>
+            <p:blipFill>
+              <a:blip r:embed="rId9"/>
+              <a:stretch>
+                <a:fillRect/>
+              </a:stretch>
+            </p:blipFill>
+            <p:spPr>
+              <a:xfrm>
+                <a:off x="1853569" y="3528259"/>
+                <a:ext cx="129240" cy="254880"/>
+              </a:xfrm>
+              <a:prstGeom prst="rect">
+                <a:avLst/>
+              </a:prstGeom>
+            </p:spPr>
+          </p:pic>
+        </mc:Fallback>
+      </mc:AlternateContent>
+      <p:grpSp>
+        <p:nvGrpSpPr>
+          <p:cNvPr id="18" name="Group 17">
+            <a:extLst>
+              <a:ext uri="{FF2B5EF4-FFF2-40B4-BE49-F238E27FC236}">
+                <a16:creationId xmlns:a16="http://schemas.microsoft.com/office/drawing/2014/main" id="{68735C4B-E325-44C5-9780-5E2AB94D0F5B}"/>
+              </a:ext>
+            </a:extLst>
+          </p:cNvPr>
+          <p:cNvGrpSpPr/>
+          <p:nvPr/>
+        </p:nvGrpSpPr>
+        <p:grpSpPr>
+          <a:xfrm>
+            <a:off x="1585009" y="3892219"/>
+            <a:ext cx="1350720" cy="291600"/>
+            <a:chOff x="1585009" y="3892219"/>
+            <a:chExt cx="1350720" cy="291600"/>
+          </a:xfrm>
+        </p:grpSpPr>
+        <mc:AlternateContent xmlns:mc="http://schemas.openxmlformats.org/markup-compatibility/2006">
+          <mc:Choice xmlns:p14="http://schemas.microsoft.com/office/powerpoint/2010/main" Requires="p14">
+            <p:contentPart p14:bwMode="auto" r:id="rId10">
+              <p14:nvContentPartPr>
+                <p14:cNvPr id="8" name="Ink 7">
+                  <a:extLst>
+                    <a:ext uri="{FF2B5EF4-FFF2-40B4-BE49-F238E27FC236}">
+                      <a16:creationId xmlns:a16="http://schemas.microsoft.com/office/drawing/2014/main" id="{5D64D92F-8549-4C72-B7AE-EFDBE8B29B42}"/>
+                    </a:ext>
+                  </a:extLst>
+                </p14:cNvPr>
+                <p14:cNvContentPartPr/>
+                <p14:nvPr/>
+              </p14:nvContentPartPr>
+              <p14:xfrm>
+                <a:off x="1585009" y="3912379"/>
+                <a:ext cx="190080" cy="8640"/>
+              </p14:xfrm>
+            </p:contentPart>
+          </mc:Choice>
+          <mc:Fallback>
+            <p:pic>
+              <p:nvPicPr>
+                <p:cNvPr id="8" name="Ink 7">
+                  <a:extLst>
+                    <a:ext uri="{FF2B5EF4-FFF2-40B4-BE49-F238E27FC236}">
+                      <a16:creationId xmlns:a16="http://schemas.microsoft.com/office/drawing/2014/main" id="{5D64D92F-8549-4C72-B7AE-EFDBE8B29B42}"/>
+                    </a:ext>
+                  </a:extLst>
+                </p:cNvPr>
+                <p:cNvPicPr/>
+                <p:nvPr/>
+              </p:nvPicPr>
+              <p:blipFill>
+                <a:blip r:embed="rId11"/>
+                <a:stretch>
+                  <a:fillRect/>
+                </a:stretch>
+              </p:blipFill>
+              <p:spPr>
+                <a:xfrm>
+                  <a:off x="1576369" y="3903379"/>
+                  <a:ext cx="207720" cy="26280"/>
+                </a:xfrm>
+                <a:prstGeom prst="rect">
+                  <a:avLst/>
+                </a:prstGeom>
+              </p:spPr>
+            </p:pic>
+          </mc:Fallback>
+        </mc:AlternateContent>
+        <mc:AlternateContent xmlns:mc="http://schemas.openxmlformats.org/markup-compatibility/2006">
+          <mc:Choice xmlns:p14="http://schemas.microsoft.com/office/powerpoint/2010/main" Requires="p14">
+            <p:contentPart p14:bwMode="auto" r:id="rId12">
+              <p14:nvContentPartPr>
+                <p14:cNvPr id="9" name="Ink 8">
+                  <a:extLst>
+                    <a:ext uri="{FF2B5EF4-FFF2-40B4-BE49-F238E27FC236}">
+                      <a16:creationId xmlns:a16="http://schemas.microsoft.com/office/drawing/2014/main" id="{17145755-DDE9-404D-A9D1-34E2A431EBAB}"/>
+                    </a:ext>
+                  </a:extLst>
+                </p14:cNvPr>
+                <p14:cNvContentPartPr/>
+                <p14:nvPr/>
+              </p14:nvContentPartPr>
+              <p14:xfrm>
+                <a:off x="1622089" y="3892219"/>
+                <a:ext cx="74520" cy="222840"/>
+              </p14:xfrm>
+            </p:contentPart>
+          </mc:Choice>
+          <mc:Fallback>
+            <p:pic>
+              <p:nvPicPr>
+                <p:cNvPr id="9" name="Ink 8">
+                  <a:extLst>
+                    <a:ext uri="{FF2B5EF4-FFF2-40B4-BE49-F238E27FC236}">
+                      <a16:creationId xmlns:a16="http://schemas.microsoft.com/office/drawing/2014/main" id="{17145755-DDE9-404D-A9D1-34E2A431EBAB}"/>
+                    </a:ext>
+                  </a:extLst>
+                </p:cNvPr>
+                <p:cNvPicPr/>
+                <p:nvPr/>
+              </p:nvPicPr>
+              <p:blipFill>
+                <a:blip r:embed="rId13"/>
+                <a:stretch>
+                  <a:fillRect/>
+                </a:stretch>
+              </p:blipFill>
+              <p:spPr>
+                <a:xfrm>
+                  <a:off x="1613089" y="3883579"/>
+                  <a:ext cx="92160" cy="240480"/>
+                </a:xfrm>
+                <a:prstGeom prst="rect">
+                  <a:avLst/>
+                </a:prstGeom>
+              </p:spPr>
+            </p:pic>
+          </mc:Fallback>
+        </mc:AlternateContent>
+        <mc:AlternateContent xmlns:mc="http://schemas.openxmlformats.org/markup-compatibility/2006">
+          <mc:Choice xmlns:p14="http://schemas.microsoft.com/office/powerpoint/2010/main" Requires="p14">
+            <p:contentPart p14:bwMode="auto" r:id="rId14">
+              <p14:nvContentPartPr>
+                <p14:cNvPr id="10" name="Ink 9">
+                  <a:extLst>
+                    <a:ext uri="{FF2B5EF4-FFF2-40B4-BE49-F238E27FC236}">
+                      <a16:creationId xmlns:a16="http://schemas.microsoft.com/office/drawing/2014/main" id="{7DAC4F56-557B-474C-99A3-3EDC03984B5E}"/>
+                    </a:ext>
+                  </a:extLst>
+                </p14:cNvPr>
+                <p14:cNvContentPartPr/>
+                <p14:nvPr/>
+              </p14:nvContentPartPr>
+              <p14:xfrm>
+                <a:off x="1731889" y="4007059"/>
+                <a:ext cx="133920" cy="109800"/>
+              </p14:xfrm>
+            </p:contentPart>
+          </mc:Choice>
+          <mc:Fallback>
+            <p:pic>
+              <p:nvPicPr>
+                <p:cNvPr id="10" name="Ink 9">
+                  <a:extLst>
+                    <a:ext uri="{FF2B5EF4-FFF2-40B4-BE49-F238E27FC236}">
+                      <a16:creationId xmlns:a16="http://schemas.microsoft.com/office/drawing/2014/main" id="{7DAC4F56-557B-474C-99A3-3EDC03984B5E}"/>
+                    </a:ext>
+                  </a:extLst>
+                </p:cNvPr>
+                <p:cNvPicPr/>
+                <p:nvPr/>
+              </p:nvPicPr>
+              <p:blipFill>
+                <a:blip r:embed="rId15"/>
+                <a:stretch>
+                  <a:fillRect/>
+                </a:stretch>
+              </p:blipFill>
+              <p:spPr>
+                <a:xfrm>
+                  <a:off x="1722889" y="3998059"/>
+                  <a:ext cx="151560" cy="127440"/>
+                </a:xfrm>
+                <a:prstGeom prst="rect">
+                  <a:avLst/>
+                </a:prstGeom>
+              </p:spPr>
+            </p:pic>
+          </mc:Fallback>
+        </mc:AlternateContent>
+        <mc:AlternateContent xmlns:mc="http://schemas.openxmlformats.org/markup-compatibility/2006">
+          <mc:Choice xmlns:p14="http://schemas.microsoft.com/office/powerpoint/2010/main" Requires="p14">
+            <p:contentPart p14:bwMode="auto" r:id="rId16">
+              <p14:nvContentPartPr>
+                <p14:cNvPr id="11" name="Ink 10">
+                  <a:extLst>
+                    <a:ext uri="{FF2B5EF4-FFF2-40B4-BE49-F238E27FC236}">
+                      <a16:creationId xmlns:a16="http://schemas.microsoft.com/office/drawing/2014/main" id="{518AE0F7-21B3-4011-BB3D-91EF4B6DDECC}"/>
+                    </a:ext>
+                  </a:extLst>
+                </p14:cNvPr>
+                <p14:cNvContentPartPr/>
+                <p14:nvPr/>
+              </p14:nvContentPartPr>
+              <p14:xfrm>
+                <a:off x="1903609" y="4031899"/>
+                <a:ext cx="43920" cy="90000"/>
+              </p14:xfrm>
+            </p:contentPart>
+          </mc:Choice>
+          <mc:Fallback>
+            <p:pic>
+              <p:nvPicPr>
+                <p:cNvPr id="11" name="Ink 10">
+                  <a:extLst>
+                    <a:ext uri="{FF2B5EF4-FFF2-40B4-BE49-F238E27FC236}">
+                      <a16:creationId xmlns:a16="http://schemas.microsoft.com/office/drawing/2014/main" id="{518AE0F7-21B3-4011-BB3D-91EF4B6DDECC}"/>
+                    </a:ext>
+                  </a:extLst>
+                </p:cNvPr>
+                <p:cNvPicPr/>
+                <p:nvPr/>
+              </p:nvPicPr>
+              <p:blipFill>
+                <a:blip r:embed="rId17"/>
+                <a:stretch>
+                  <a:fillRect/>
+                </a:stretch>
+              </p:blipFill>
+              <p:spPr>
+                <a:xfrm>
+                  <a:off x="1894969" y="4023259"/>
+                  <a:ext cx="61560" cy="107640"/>
+                </a:xfrm>
+                <a:prstGeom prst="rect">
+                  <a:avLst/>
+                </a:prstGeom>
+              </p:spPr>
+            </p:pic>
+          </mc:Fallback>
+        </mc:AlternateContent>
+        <mc:AlternateContent xmlns:mc="http://schemas.openxmlformats.org/markup-compatibility/2006">
+          <mc:Choice xmlns:p14="http://schemas.microsoft.com/office/powerpoint/2010/main" Requires="p14">
+            <p:contentPart p14:bwMode="auto" r:id="rId18">
+              <p14:nvContentPartPr>
+                <p14:cNvPr id="12" name="Ink 11">
+                  <a:extLst>
+                    <a:ext uri="{FF2B5EF4-FFF2-40B4-BE49-F238E27FC236}">
+                      <a16:creationId xmlns:a16="http://schemas.microsoft.com/office/drawing/2014/main" id="{737EFBD6-A0FD-4AD9-8033-B2F65F63E0AB}"/>
+                    </a:ext>
+                  </a:extLst>
+                </p14:cNvPr>
+                <p14:cNvContentPartPr/>
+                <p14:nvPr/>
+              </p14:nvContentPartPr>
+              <p14:xfrm>
+                <a:off x="2000089" y="3926059"/>
+                <a:ext cx="197640" cy="190800"/>
+              </p14:xfrm>
+            </p:contentPart>
+          </mc:Choice>
+          <mc:Fallback>
+            <p:pic>
+              <p:nvPicPr>
+                <p:cNvPr id="12" name="Ink 11">
+                  <a:extLst>
+                    <a:ext uri="{FF2B5EF4-FFF2-40B4-BE49-F238E27FC236}">
+                      <a16:creationId xmlns:a16="http://schemas.microsoft.com/office/drawing/2014/main" id="{737EFBD6-A0FD-4AD9-8033-B2F65F63E0AB}"/>
+                    </a:ext>
+                  </a:extLst>
+                </p:cNvPr>
+                <p:cNvPicPr/>
+                <p:nvPr/>
+              </p:nvPicPr>
+              <p:blipFill>
+                <a:blip r:embed="rId19"/>
+                <a:stretch>
+                  <a:fillRect/>
+                </a:stretch>
+              </p:blipFill>
+              <p:spPr>
+                <a:xfrm>
+                  <a:off x="1991089" y="3917419"/>
+                  <a:ext cx="215280" cy="208440"/>
+                </a:xfrm>
+                <a:prstGeom prst="rect">
+                  <a:avLst/>
+                </a:prstGeom>
+              </p:spPr>
+            </p:pic>
+          </mc:Fallback>
+        </mc:AlternateContent>
+        <mc:AlternateContent xmlns:mc="http://schemas.openxmlformats.org/markup-compatibility/2006">
+          <mc:Choice xmlns:p14="http://schemas.microsoft.com/office/powerpoint/2010/main" Requires="p14">
+            <p:contentPart p14:bwMode="auto" r:id="rId20">
+              <p14:nvContentPartPr>
+                <p14:cNvPr id="13" name="Ink 12">
+                  <a:extLst>
+                    <a:ext uri="{FF2B5EF4-FFF2-40B4-BE49-F238E27FC236}">
+                      <a16:creationId xmlns:a16="http://schemas.microsoft.com/office/drawing/2014/main" id="{D34B0D45-372F-4942-B41C-ECD1E2D35760}"/>
+                    </a:ext>
+                  </a:extLst>
+                </p14:cNvPr>
+                <p14:cNvContentPartPr/>
+                <p14:nvPr/>
+              </p14:nvContentPartPr>
+              <p14:xfrm>
+                <a:off x="2198449" y="4016059"/>
+                <a:ext cx="69840" cy="102240"/>
+              </p14:xfrm>
+            </p:contentPart>
+          </mc:Choice>
+          <mc:Fallback>
+            <p:pic>
+              <p:nvPicPr>
+                <p:cNvPr id="13" name="Ink 12">
+                  <a:extLst>
+                    <a:ext uri="{FF2B5EF4-FFF2-40B4-BE49-F238E27FC236}">
+                      <a16:creationId xmlns:a16="http://schemas.microsoft.com/office/drawing/2014/main" id="{D34B0D45-372F-4942-B41C-ECD1E2D35760}"/>
+                    </a:ext>
+                  </a:extLst>
+                </p:cNvPr>
+                <p:cNvPicPr/>
+                <p:nvPr/>
+              </p:nvPicPr>
+              <p:blipFill>
+                <a:blip r:embed="rId21"/>
+                <a:stretch>
+                  <a:fillRect/>
+                </a:stretch>
+              </p:blipFill>
+              <p:spPr>
+                <a:xfrm>
+                  <a:off x="2189809" y="4007059"/>
+                  <a:ext cx="87480" cy="119880"/>
+                </a:xfrm>
+                <a:prstGeom prst="rect">
+                  <a:avLst/>
+                </a:prstGeom>
+              </p:spPr>
+            </p:pic>
+          </mc:Fallback>
+        </mc:AlternateContent>
+        <mc:AlternateContent xmlns:mc="http://schemas.openxmlformats.org/markup-compatibility/2006">
+          <mc:Choice xmlns:p14="http://schemas.microsoft.com/office/powerpoint/2010/main" Requires="p14">
+            <p:contentPart p14:bwMode="auto" r:id="rId22">
+              <p14:nvContentPartPr>
+                <p14:cNvPr id="14" name="Ink 13">
+                  <a:extLst>
+                    <a:ext uri="{FF2B5EF4-FFF2-40B4-BE49-F238E27FC236}">
+                      <a16:creationId xmlns:a16="http://schemas.microsoft.com/office/drawing/2014/main" id="{92E1861D-93BA-449F-9435-8DAAE81A63BB}"/>
+                    </a:ext>
+                  </a:extLst>
+                </p14:cNvPr>
+                <p14:cNvContentPartPr/>
+                <p14:nvPr/>
+              </p14:nvContentPartPr>
+              <p14:xfrm>
+                <a:off x="2290249" y="4034779"/>
+                <a:ext cx="79560" cy="136800"/>
+              </p14:xfrm>
+            </p:contentPart>
+          </mc:Choice>
+          <mc:Fallback>
+            <p:pic>
+              <p:nvPicPr>
+                <p:cNvPr id="14" name="Ink 13">
+                  <a:extLst>
+                    <a:ext uri="{FF2B5EF4-FFF2-40B4-BE49-F238E27FC236}">
+                      <a16:creationId xmlns:a16="http://schemas.microsoft.com/office/drawing/2014/main" id="{92E1861D-93BA-449F-9435-8DAAE81A63BB}"/>
+                    </a:ext>
+                  </a:extLst>
+                </p:cNvPr>
+                <p:cNvPicPr/>
+                <p:nvPr/>
+              </p:nvPicPr>
+              <p:blipFill>
+                <a:blip r:embed="rId23"/>
+                <a:stretch>
+                  <a:fillRect/>
+                </a:stretch>
+              </p:blipFill>
+              <p:spPr>
+                <a:xfrm>
+                  <a:off x="2281609" y="4025779"/>
+                  <a:ext cx="97200" cy="154440"/>
+                </a:xfrm>
+                <a:prstGeom prst="rect">
+                  <a:avLst/>
+                </a:prstGeom>
+              </p:spPr>
+            </p:pic>
+          </mc:Fallback>
+        </mc:AlternateContent>
+        <mc:AlternateContent xmlns:mc="http://schemas.openxmlformats.org/markup-compatibility/2006">
+          <mc:Choice xmlns:p14="http://schemas.microsoft.com/office/powerpoint/2010/main" Requires="p14">
+            <p:contentPart p14:bwMode="auto" r:id="rId24">
+              <p14:nvContentPartPr>
+                <p14:cNvPr id="15" name="Ink 14">
+                  <a:extLst>
+                    <a:ext uri="{FF2B5EF4-FFF2-40B4-BE49-F238E27FC236}">
+                      <a16:creationId xmlns:a16="http://schemas.microsoft.com/office/drawing/2014/main" id="{684F0D1D-7228-40B7-A950-253021E72BE1}"/>
+                    </a:ext>
+                  </a:extLst>
+                </p14:cNvPr>
+                <p14:cNvContentPartPr/>
+                <p14:nvPr/>
+              </p14:nvContentPartPr>
+              <p14:xfrm>
+                <a:off x="2561329" y="3933259"/>
+                <a:ext cx="105480" cy="176400"/>
+              </p14:xfrm>
+            </p:contentPart>
+          </mc:Choice>
+          <mc:Fallback>
+            <p:pic>
+              <p:nvPicPr>
+                <p:cNvPr id="15" name="Ink 14">
+                  <a:extLst>
+                    <a:ext uri="{FF2B5EF4-FFF2-40B4-BE49-F238E27FC236}">
+                      <a16:creationId xmlns:a16="http://schemas.microsoft.com/office/drawing/2014/main" id="{684F0D1D-7228-40B7-A950-253021E72BE1}"/>
+                    </a:ext>
+                  </a:extLst>
+                </p:cNvPr>
+                <p:cNvPicPr/>
+                <p:nvPr/>
+              </p:nvPicPr>
+              <p:blipFill>
+                <a:blip r:embed="rId25"/>
+                <a:stretch>
+                  <a:fillRect/>
+                </a:stretch>
+              </p:blipFill>
+              <p:spPr>
+                <a:xfrm>
+                  <a:off x="2552689" y="3924259"/>
+                  <a:ext cx="123120" cy="194040"/>
+                </a:xfrm>
+                <a:prstGeom prst="rect">
+                  <a:avLst/>
+                </a:prstGeom>
+              </p:spPr>
+            </p:pic>
+          </mc:Fallback>
+        </mc:AlternateContent>
+        <mc:AlternateContent xmlns:mc="http://schemas.openxmlformats.org/markup-compatibility/2006">
+          <mc:Choice xmlns:p14="http://schemas.microsoft.com/office/powerpoint/2010/main" Requires="p14">
+            <p:contentPart p14:bwMode="auto" r:id="rId26">
+              <p14:nvContentPartPr>
+                <p14:cNvPr id="16" name="Ink 15">
+                  <a:extLst>
+                    <a:ext uri="{FF2B5EF4-FFF2-40B4-BE49-F238E27FC236}">
+                      <a16:creationId xmlns:a16="http://schemas.microsoft.com/office/drawing/2014/main" id="{1BD375D7-4B5E-4E26-A8D1-33C555E283F0}"/>
+                    </a:ext>
+                  </a:extLst>
+                </p14:cNvPr>
+                <p14:cNvContentPartPr/>
+                <p14:nvPr/>
+              </p14:nvContentPartPr>
+              <p14:xfrm>
+                <a:off x="2672569" y="4021099"/>
+                <a:ext cx="62280" cy="162720"/>
+              </p14:xfrm>
+            </p:contentPart>
+          </mc:Choice>
+          <mc:Fallback>
+            <p:pic>
+              <p:nvPicPr>
+                <p:cNvPr id="16" name="Ink 15">
+                  <a:extLst>
+                    <a:ext uri="{FF2B5EF4-FFF2-40B4-BE49-F238E27FC236}">
+                      <a16:creationId xmlns:a16="http://schemas.microsoft.com/office/drawing/2014/main" id="{1BD375D7-4B5E-4E26-A8D1-33C555E283F0}"/>
+                    </a:ext>
+                  </a:extLst>
+                </p:cNvPr>
+                <p:cNvPicPr/>
+                <p:nvPr/>
+              </p:nvPicPr>
+              <p:blipFill>
+                <a:blip r:embed="rId27"/>
+                <a:stretch>
+                  <a:fillRect/>
+                </a:stretch>
+              </p:blipFill>
+              <p:spPr>
+                <a:xfrm>
+                  <a:off x="2663569" y="4012099"/>
+                  <a:ext cx="79920" cy="180360"/>
+                </a:xfrm>
+                <a:prstGeom prst="rect">
+                  <a:avLst/>
+                </a:prstGeom>
+              </p:spPr>
+            </p:pic>
+          </mc:Fallback>
+        </mc:AlternateContent>
+        <mc:AlternateContent xmlns:mc="http://schemas.openxmlformats.org/markup-compatibility/2006">
+          <mc:Choice xmlns:p14="http://schemas.microsoft.com/office/powerpoint/2010/main" Requires="p14">
+            <p:contentPart p14:bwMode="auto" r:id="rId28">
+              <p14:nvContentPartPr>
+                <p14:cNvPr id="17" name="Ink 16">
+                  <a:extLst>
+                    <a:ext uri="{FF2B5EF4-FFF2-40B4-BE49-F238E27FC236}">
+                      <a16:creationId xmlns:a16="http://schemas.microsoft.com/office/drawing/2014/main" id="{887319B0-99EB-4645-A4C9-20A73BB246E8}"/>
+                    </a:ext>
+                  </a:extLst>
+                </p14:cNvPr>
+                <p14:cNvContentPartPr/>
+                <p14:nvPr/>
+              </p14:nvContentPartPr>
+              <p14:xfrm>
+                <a:off x="2782009" y="4005619"/>
+                <a:ext cx="153720" cy="99720"/>
+              </p14:xfrm>
+            </p:contentPart>
+          </mc:Choice>
+          <mc:Fallback>
+            <p:pic>
+              <p:nvPicPr>
+                <p:cNvPr id="17" name="Ink 16">
+                  <a:extLst>
+                    <a:ext uri="{FF2B5EF4-FFF2-40B4-BE49-F238E27FC236}">
+                      <a16:creationId xmlns:a16="http://schemas.microsoft.com/office/drawing/2014/main" id="{887319B0-99EB-4645-A4C9-20A73BB246E8}"/>
+                    </a:ext>
+                  </a:extLst>
+                </p:cNvPr>
+                <p:cNvPicPr/>
+                <p:nvPr/>
+              </p:nvPicPr>
+              <p:blipFill>
+                <a:blip r:embed="rId29"/>
+                <a:stretch>
+                  <a:fillRect/>
+                </a:stretch>
+              </p:blipFill>
+              <p:spPr>
+                <a:xfrm>
+                  <a:off x="2773009" y="3996979"/>
+                  <a:ext cx="171360" cy="117360"/>
+                </a:xfrm>
+                <a:prstGeom prst="rect">
+                  <a:avLst/>
+                </a:prstGeom>
+              </p:spPr>
+            </p:pic>
+          </mc:Fallback>
+        </mc:AlternateContent>
+      </p:grpSp>
+      <mc:AlternateContent xmlns:mc="http://schemas.openxmlformats.org/markup-compatibility/2006">
+        <mc:Choice xmlns:p14="http://schemas.microsoft.com/office/powerpoint/2010/main" Requires="p14">
+          <p:contentPart p14:bwMode="auto" r:id="rId30">
+            <p14:nvContentPartPr>
+              <p14:cNvPr id="19" name="Ink 18">
+                <a:extLst>
+                  <a:ext uri="{FF2B5EF4-FFF2-40B4-BE49-F238E27FC236}">
+                    <a16:creationId xmlns:a16="http://schemas.microsoft.com/office/drawing/2014/main" id="{C4E2C6BB-152B-4B48-A4C7-3DEBDADD0DFA}"/>
+                  </a:ext>
+                </a:extLst>
+              </p14:cNvPr>
+              <p14:cNvContentPartPr/>
+              <p14:nvPr/>
+            </p14:nvContentPartPr>
+            <p14:xfrm>
+              <a:off x="817129" y="2742019"/>
+              <a:ext cx="268200" cy="118800"/>
+            </p14:xfrm>
+          </p:contentPart>
+        </mc:Choice>
+        <mc:Fallback>
+          <p:pic>
+            <p:nvPicPr>
+              <p:cNvPr id="19" name="Ink 18">
+                <a:extLst>
+                  <a:ext uri="{FF2B5EF4-FFF2-40B4-BE49-F238E27FC236}">
+                    <a16:creationId xmlns:a16="http://schemas.microsoft.com/office/drawing/2014/main" id="{C4E2C6BB-152B-4B48-A4C7-3DEBDADD0DFA}"/>
+                  </a:ext>
+                </a:extLst>
+              </p:cNvPr>
+              <p:cNvPicPr/>
+              <p:nvPr/>
+            </p:nvPicPr>
+            <p:blipFill>
+              <a:blip r:embed="rId31"/>
+              <a:stretch>
+                <a:fillRect/>
+              </a:stretch>
+            </p:blipFill>
+            <p:spPr>
+              <a:xfrm>
+                <a:off x="808489" y="2733019"/>
+                <a:ext cx="285840" cy="136440"/>
+              </a:xfrm>
+              <a:prstGeom prst="rect">
+                <a:avLst/>
+              </a:prstGeom>
+            </p:spPr>
+          </p:pic>
+        </mc:Fallback>
+      </mc:AlternateContent>
     </p:spTree>
     <p:extLst>
       <p:ext uri="{BB962C8B-B14F-4D97-AF65-F5344CB8AC3E}">
